--- a/Branches/2.0/doc/iResearch User Guide.pptx
+++ b/Branches/2.0/doc/iResearch User Guide.pptx
@@ -5,10 +5,10 @@
     <p:sldMasterId id="2147483648" r:id="rId1"/>
   </p:sldMasterIdLst>
   <p:notesMasterIdLst>
-    <p:notesMasterId r:id="rId17"/>
+    <p:notesMasterId r:id="rId14"/>
   </p:notesMasterIdLst>
   <p:handoutMasterIdLst>
-    <p:handoutMasterId r:id="rId18"/>
+    <p:handoutMasterId r:id="rId15"/>
   </p:handoutMasterIdLst>
   <p:sldIdLst>
     <p:sldId id="256" r:id="rId2"/>
@@ -18,14 +18,11 @@
     <p:sldId id="280" r:id="rId6"/>
     <p:sldId id="282" r:id="rId7"/>
     <p:sldId id="283" r:id="rId8"/>
-    <p:sldId id="284" r:id="rId9"/>
-    <p:sldId id="285" r:id="rId10"/>
-    <p:sldId id="294" r:id="rId11"/>
-    <p:sldId id="286" r:id="rId12"/>
-    <p:sldId id="291" r:id="rId13"/>
-    <p:sldId id="289" r:id="rId14"/>
-    <p:sldId id="292" r:id="rId15"/>
-    <p:sldId id="293" r:id="rId16"/>
+    <p:sldId id="286" r:id="rId9"/>
+    <p:sldId id="291" r:id="rId10"/>
+    <p:sldId id="289" r:id="rId11"/>
+    <p:sldId id="292" r:id="rId12"/>
+    <p:sldId id="293" r:id="rId13"/>
   </p:sldIdLst>
   <p:sldSz cx="9144000" cy="6858000" type="screen4x3"/>
   <p:notesSz cx="6858000" cy="9144000"/>
@@ -204,7 +201,7 @@
             <a:fld id="{31555DB1-8736-42A3-B48D-2B08FB93332A}" type="datetimeFigureOut">
               <a:rPr lang="en-US" smtClean="0"/>
               <a:pPr/>
-              <a:t>11/8/2009</a:t>
+              <a:t>10/5/2010</a:t>
             </a:fld>
             <a:endParaRPr lang="en-US"/>
           </a:p>
@@ -358,7 +355,7 @@
             <a:fld id="{0BDB199F-A56C-4049-BA04-1447030960FF}" type="datetimeFigureOut">
               <a:rPr lang="en-US" smtClean="0"/>
               <a:pPr/>
-              <a:t>11/8/2009</a:t>
+              <a:t>10/5/2010</a:t>
             </a:fld>
             <a:endParaRPr lang="en-US"/>
           </a:p>
@@ -948,7 +945,7 @@
             <a:fld id="{B3A019F3-8596-4028-9847-CBD3A185B07A}" type="slidenum">
               <a:rPr lang="en-US" smtClean="0"/>
               <a:pPr/>
-              <a:t>13</a:t>
+              <a:t>10</a:t>
             </a:fld>
             <a:endParaRPr lang="en-US"/>
           </a:p>
@@ -1265,7 +1262,7 @@
             <a:fld id="{5A8D346D-A53F-433C-9D37-45A337EA482C}" type="datetime1">
               <a:rPr lang="en-US" smtClean="0"/>
               <a:pPr/>
-              <a:t>11/8/2009</a:t>
+              <a:t>10/5/2010</a:t>
             </a:fld>
             <a:endParaRPr lang="en-US" dirty="0"/>
           </a:p>
@@ -1695,7 +1692,7 @@
             <a:fld id="{FEC9D3F2-7140-49B9-866C-D21246A5836E}" type="datetime1">
               <a:rPr lang="en-US" smtClean="0"/>
               <a:pPr algn="r"/>
-              <a:t>11/8/2009</a:t>
+              <a:t>10/5/2010</a:t>
             </a:fld>
             <a:endParaRPr lang="en-US"/>
           </a:p>
@@ -2228,7 +2225,7 @@
             <a:fld id="{CBEC585F-C108-48D6-9331-6628A0FBB73B}" type="datetime1">
               <a:rPr lang="en-US" smtClean="0"/>
               <a:pPr algn="r"/>
-              <a:t>11/8/2009</a:t>
+              <a:t>10/5/2010</a:t>
             </a:fld>
             <a:endParaRPr lang="en-US"/>
           </a:p>
@@ -2761,7 +2758,7 @@
             <a:fld id="{7293A964-5F5E-47DC-ABD9-08A6A9FFD04F}" type="datetime1">
               <a:rPr lang="en-US" smtClean="0"/>
               <a:pPr algn="r"/>
-              <a:t>11/8/2009</a:t>
+              <a:t>10/5/2010</a:t>
             </a:fld>
             <a:endParaRPr lang="en-US"/>
           </a:p>
@@ -3294,7 +3291,7 @@
             <a:fld id="{968C9C2A-D3B8-4543-8A47-F59C20C16D9A}" type="datetime1">
               <a:rPr lang="en-US" smtClean="0"/>
               <a:pPr algn="r"/>
-              <a:t>11/8/2009</a:t>
+              <a:t>10/5/2010</a:t>
             </a:fld>
             <a:endParaRPr lang="en-US" dirty="0"/>
           </a:p>
@@ -3929,7 +3926,7 @@
             <a:fld id="{29ED4C97-3C5D-482A-99AD-AD992C3024DE}" type="datetime1">
               <a:rPr lang="en-US" smtClean="0"/>
               <a:pPr algn="r"/>
-              <a:t>11/8/2009</a:t>
+              <a:t>10/5/2010</a:t>
             </a:fld>
             <a:endParaRPr lang="en-US"/>
           </a:p>
@@ -4564,7 +4561,7 @@
             <a:fld id="{3EF8FEE9-63ED-4C1B-8C25-9B47C2DA1E72}" type="datetime1">
               <a:rPr lang="en-US" smtClean="0"/>
               <a:pPr algn="r"/>
-              <a:t>11/8/2009</a:t>
+              <a:t>10/5/2010</a:t>
             </a:fld>
             <a:endParaRPr lang="en-US"/>
           </a:p>
@@ -5832,7 +5829,7 @@
             <a:fld id="{E8BD303E-7304-41BE-B693-A76D7275A3B0}" type="datetime1">
               <a:rPr lang="en-US" smtClean="0"/>
               <a:pPr algn="r"/>
-              <a:t>11/8/2009</a:t>
+              <a:t>10/5/2010</a:t>
             </a:fld>
             <a:endParaRPr lang="en-US"/>
           </a:p>
@@ -7080,7 +7077,7 @@
             <a:fld id="{F17F374F-8F2E-42FC-B8C0-8EDFCA32CD96}" type="datetime1">
               <a:rPr lang="en-US" sz="1100" smtClean="0"/>
               <a:pPr algn="r"/>
-              <a:t>11/8/2009</a:t>
+              <a:t>10/5/2010</a:t>
             </a:fld>
             <a:endParaRPr lang="en-US" sz="1100"/>
           </a:p>
@@ -7279,7 +7276,7 @@
             <a:fld id="{5A8D346D-A53F-433C-9D37-45A337EA482C}" type="datetime1">
               <a:rPr lang="en-US" smtClean="0"/>
               <a:pPr/>
-              <a:t>11/8/2009</a:t>
+              <a:t>10/5/2010</a:t>
             </a:fld>
             <a:endParaRPr lang="en-US" dirty="0"/>
           </a:p>
@@ -7515,7 +7512,7 @@
             <a:fld id="{F7F1F872-C5DE-403B-85F0-1024E6CA1886}" type="datetime1">
               <a:rPr lang="en-US" smtClean="0"/>
               <a:pPr algn="r"/>
-              <a:t>11/8/2009</a:t>
+              <a:t>10/5/2010</a:t>
             </a:fld>
             <a:endParaRPr lang="en-US"/>
           </a:p>
@@ -7640,7 +7637,7 @@
             <a:fld id="{73B9D0E9-7F95-4423-9114-95494EF8154E}" type="datetime1">
               <a:rPr lang="en-US" smtClean="0"/>
               <a:pPr algn="r"/>
-              <a:t>11/8/2009</a:t>
+              <a:t>10/5/2010</a:t>
             </a:fld>
             <a:endParaRPr lang="en-US"/>
           </a:p>
@@ -7869,7 +7866,7 @@
             <a:fld id="{828FD173-2CB3-4214-8741-970D8D476901}" type="datetime1">
               <a:rPr lang="en-US" smtClean="0"/>
               <a:pPr algn="r"/>
-              <a:t>11/8/2009</a:t>
+              <a:t>10/5/2010</a:t>
             </a:fld>
             <a:endParaRPr lang="en-US"/>
           </a:p>
@@ -8198,7 +8195,7 @@
             <a:fld id="{A1704A40-8D3B-4404-9986-2B5D36474D63}" type="datetime1">
               <a:rPr lang="en-US" smtClean="0"/>
               <a:pPr algn="r"/>
-              <a:t>11/8/2009</a:t>
+              <a:t>10/5/2010</a:t>
             </a:fld>
             <a:endParaRPr lang="en-US"/>
           </a:p>
@@ -8629,7 +8626,7 @@
             <a:fld id="{DE3B91AD-F2C9-43CB-A84C-1D5C130F2509}" type="datetime1">
               <a:rPr lang="en-US" smtClean="0"/>
               <a:pPr algn="r"/>
-              <a:t>11/8/2009</a:t>
+              <a:t>10/5/2010</a:t>
             </a:fld>
             <a:endParaRPr lang="en-US"/>
           </a:p>
@@ -9060,7 +9057,7 @@
             <a:fld id="{27D93220-918A-400D-B3FA-D8B22567DEBB}" type="datetime1">
               <a:rPr lang="en-US" smtClean="0"/>
               <a:pPr algn="r"/>
-              <a:t>11/8/2009</a:t>
+              <a:t>10/5/2010</a:t>
             </a:fld>
             <a:endParaRPr lang="en-US"/>
           </a:p>
@@ -9328,7 +9325,7 @@
             <a:fld id="{CCD717AA-EA39-47F3-8A0A-15B3575EDB53}" type="datetime1">
               <a:rPr lang="en-US" smtClean="0"/>
               <a:pPr algn="r"/>
-              <a:t>11/8/2009</a:t>
+              <a:t>10/5/2010</a:t>
             </a:fld>
             <a:endParaRPr lang="en-US" sz="1000" dirty="0">
               <a:solidFill>
@@ -9805,7 +9802,7 @@
             </a:r>
             <a:r>
               <a:rPr lang="en-US" dirty="0" smtClean="0"/>
-              <a:t>8-11-2009)</a:t>
+              <a:t>7-10-2010)</a:t>
             </a:r>
             <a:endParaRPr lang="en-US" dirty="0"/>
           </a:p>
@@ -9820,7 +9817,7 @@
         <p:spPr>
           <a:xfrm>
             <a:off x="228600" y="2819400"/>
-            <a:ext cx="3790525" cy="1200329"/>
+            <a:ext cx="5156796" cy="1200329"/>
           </a:xfrm>
           <a:prstGeom prst="rect">
             <a:avLst/>
@@ -9840,6 +9837,22 @@
                 </a:solidFill>
               </a:rPr>
               <a:t>iResearch</a:t>
+            </a:r>
+            <a:r>
+              <a:rPr lang="en-US" sz="7200" dirty="0" smtClean="0">
+                <a:solidFill>
+                  <a:schemeClr val="bg1"/>
+                </a:solidFill>
+              </a:rPr>
+              <a:t> </a:t>
+            </a:r>
+            <a:r>
+              <a:rPr lang="en-US" dirty="0" smtClean="0">
+                <a:solidFill>
+                  <a:schemeClr val="bg1"/>
+                </a:solidFill>
+              </a:rPr>
+              <a:t>Version 2.0</a:t>
             </a:r>
             <a:endParaRPr lang="en-US" dirty="0">
               <a:solidFill>
@@ -9883,249 +9896,26 @@
       </p:grpSpPr>
       <p:sp>
         <p:nvSpPr>
-          <p:cNvPr id="2" name="Title 1"/>
-          <p:cNvSpPr>
-            <a:spLocks noGrp="1"/>
-          </p:cNvSpPr>
-          <p:nvPr>
-            <p:ph type="title"/>
+          <p:cNvPr id="3" name="Rectangle 2"/>
+          <p:cNvSpPr>
+            <a:spLocks noGrp="1"/>
+          </p:cNvSpPr>
+          <p:nvPr>
+            <p:ph type="ctrTitle"/>
           </p:nvPr>
         </p:nvSpPr>
         <p:spPr/>
         <p:txBody>
-          <a:bodyPr>
-            <a:normAutofit fontScale="90000"/>
-          </a:bodyPr>
-          <a:lstStyle/>
+          <a:bodyPr/>
+          <a:lstStyle>
+            <a:extLst/>
+          </a:lstStyle>
           <a:p>
             <a:r>
               <a:rPr lang="en-US" dirty="0" smtClean="0"/>
-              <a:t>Word 2007 add-in</a:t>
-            </a:r>
-            <a:endParaRPr lang="en-US" dirty="0"/>
-          </a:p>
-        </p:txBody>
-      </p:sp>
-      <p:sp>
-        <p:nvSpPr>
-          <p:cNvPr id="3" name="Text Placeholder 2"/>
-          <p:cNvSpPr>
-            <a:spLocks noGrp="1"/>
-          </p:cNvSpPr>
-          <p:nvPr>
-            <p:ph type="body" sz="quarter" idx="13"/>
-          </p:nvPr>
-        </p:nvSpPr>
-        <p:spPr/>
-        <p:txBody>
-          <a:bodyPr>
-            <a:normAutofit/>
-          </a:bodyPr>
-          <a:lstStyle/>
-          <a:p>
-            <a:r>
-              <a:rPr lang="en-US" dirty="0" smtClean="0"/>
-              <a:t>Insert (1 or 2 ) Chart Place Holder</a:t>
-            </a:r>
-            <a:endParaRPr lang="en-US" dirty="0"/>
-          </a:p>
-        </p:txBody>
-      </p:sp>
-      <p:pic>
-        <p:nvPicPr>
-          <p:cNvPr id="1026" name="Picture 2"/>
-          <p:cNvPicPr>
-            <a:picLocks noChangeAspect="1" noChangeArrowheads="1"/>
-          </p:cNvPicPr>
-          <p:nvPr/>
-        </p:nvPicPr>
-        <p:blipFill>
-          <a:blip r:embed="rId2"/>
-          <a:srcRect/>
-          <a:stretch>
-            <a:fillRect/>
-          </a:stretch>
-        </p:blipFill>
-        <p:spPr bwMode="auto">
-          <a:xfrm>
-            <a:off x="762000" y="685800"/>
-            <a:ext cx="1971675" cy="2990850"/>
-          </a:xfrm>
-          <a:prstGeom prst="rect">
-            <a:avLst/>
-          </a:prstGeom>
-          <a:noFill/>
-          <a:ln w="9525">
-            <a:noFill/>
-            <a:miter lim="800000"/>
-            <a:headEnd/>
-            <a:tailEnd/>
-          </a:ln>
-          <a:effectLst/>
-        </p:spPr>
-      </p:pic>
-      <p:sp>
-        <p:nvSpPr>
-          <p:cNvPr id="10" name="Right Arrow 9"/>
-          <p:cNvSpPr/>
-          <p:nvPr/>
-        </p:nvSpPr>
-        <p:spPr>
-          <a:xfrm>
-            <a:off x="76200" y="3020568"/>
-            <a:ext cx="978408" cy="484632"/>
-          </a:xfrm>
-          <a:prstGeom prst="rightArrow">
-            <a:avLst/>
-          </a:prstGeom>
-        </p:spPr>
-        <p:style>
-          <a:lnRef idx="2">
-            <a:schemeClr val="accent1">
-              <a:shade val="50000"/>
-            </a:schemeClr>
-          </a:lnRef>
-          <a:fillRef idx="1">
-            <a:schemeClr val="accent1"/>
-          </a:fillRef>
-          <a:effectRef idx="0">
-            <a:schemeClr val="accent1"/>
-          </a:effectRef>
-          <a:fontRef idx="minor">
-            <a:schemeClr val="lt1"/>
-          </a:fontRef>
-        </p:style>
-        <p:txBody>
-          <a:bodyPr rtlCol="0" anchor="ctr"/>
-          <a:lstStyle/>
-          <a:p>
-            <a:pPr algn="ctr"/>
-            <a:r>
-              <a:rPr lang="en-US" dirty="0" smtClean="0"/>
-              <a:t>1</a:t>
-            </a:r>
-            <a:endParaRPr lang="en-US" dirty="0"/>
-          </a:p>
-        </p:txBody>
-      </p:sp>
-      <p:pic>
-        <p:nvPicPr>
-          <p:cNvPr id="1027" name="Picture 3"/>
-          <p:cNvPicPr>
-            <a:picLocks noGrp="1" noChangeAspect="1" noChangeArrowheads="1"/>
-          </p:cNvPicPr>
-          <p:nvPr>
-            <p:ph sz="quarter" idx="15"/>
-          </p:nvPr>
-        </p:nvPicPr>
-        <p:blipFill>
-          <a:blip r:embed="rId3"/>
-          <a:srcRect/>
-          <a:stretch>
-            <a:fillRect/>
-          </a:stretch>
-        </p:blipFill>
-        <p:spPr bwMode="auto">
-          <a:xfrm>
-            <a:off x="2438400" y="4154365"/>
-            <a:ext cx="6096000" cy="2703635"/>
-          </a:xfrm>
-          <a:prstGeom prst="rect">
-            <a:avLst/>
-          </a:prstGeom>
-          <a:noFill/>
-          <a:ln w="9525">
-            <a:noFill/>
-            <a:miter lim="800000"/>
-            <a:headEnd/>
-            <a:tailEnd/>
-          </a:ln>
-          <a:effectLst/>
-        </p:spPr>
-      </p:pic>
-      <p:sp>
-        <p:nvSpPr>
-          <p:cNvPr id="11" name="Right Arrow 10"/>
-          <p:cNvSpPr/>
-          <p:nvPr/>
-        </p:nvSpPr>
-        <p:spPr>
-          <a:xfrm>
-            <a:off x="1688592" y="5257800"/>
-            <a:ext cx="978408" cy="484632"/>
-          </a:xfrm>
-          <a:prstGeom prst="rightArrow">
-            <a:avLst/>
-          </a:prstGeom>
-        </p:spPr>
-        <p:style>
-          <a:lnRef idx="2">
-            <a:schemeClr val="accent1">
-              <a:shade val="50000"/>
-            </a:schemeClr>
-          </a:lnRef>
-          <a:fillRef idx="1">
-            <a:schemeClr val="accent1"/>
-          </a:fillRef>
-          <a:effectRef idx="0">
-            <a:schemeClr val="accent1"/>
-          </a:effectRef>
-          <a:fontRef idx="minor">
-            <a:schemeClr val="lt1"/>
-          </a:fontRef>
-        </p:style>
-        <p:txBody>
-          <a:bodyPr rtlCol="0" anchor="ctr"/>
-          <a:lstStyle/>
-          <a:p>
-            <a:pPr algn="ctr"/>
-            <a:r>
-              <a:rPr lang="en-US" dirty="0" smtClean="0"/>
-              <a:t>2</a:t>
-            </a:r>
-            <a:endParaRPr lang="en-US" dirty="0"/>
-          </a:p>
-        </p:txBody>
-      </p:sp>
-      <p:sp>
-        <p:nvSpPr>
-          <p:cNvPr id="13" name="Rectangle 12"/>
-          <p:cNvSpPr/>
-          <p:nvPr/>
-        </p:nvSpPr>
-        <p:spPr>
-          <a:xfrm>
-            <a:off x="2667000" y="5257800"/>
-            <a:ext cx="5486400" cy="1600200"/>
-          </a:xfrm>
-          <a:prstGeom prst="rect">
-            <a:avLst/>
-          </a:prstGeom>
-          <a:noFill/>
-          <a:ln>
-            <a:prstDash val="sysDot"/>
-          </a:ln>
-        </p:spPr>
-        <p:style>
-          <a:lnRef idx="2">
-            <a:schemeClr val="accent6"/>
-          </a:lnRef>
-          <a:fillRef idx="1">
-            <a:schemeClr val="lt1"/>
-          </a:fillRef>
-          <a:effectRef idx="0">
-            <a:schemeClr val="accent6"/>
-          </a:effectRef>
-          <a:fontRef idx="minor">
-            <a:schemeClr val="dk1"/>
-          </a:fontRef>
-        </p:style>
-        <p:txBody>
-          <a:bodyPr rtlCol="0" anchor="ctr"/>
-          <a:lstStyle/>
-          <a:p>
-            <a:pPr algn="ctr"/>
-            <a:endParaRPr lang="en-US"/>
+              <a:t>excel 2007 add-in</a:t>
+            </a:r>
+            <a:endParaRPr lang="en-US" dirty="0"/>
           </a:p>
         </p:txBody>
       </p:sp>
@@ -10163,7 +9953,7 @@
       </p:grpSpPr>
       <p:sp>
         <p:nvSpPr>
-          <p:cNvPr id="2" name="Title 1"/>
+          <p:cNvPr id="3" name="Title 2"/>
           <p:cNvSpPr>
             <a:spLocks noGrp="1"/>
           </p:cNvSpPr>
@@ -10171,12 +9961,7 @@
             <p:ph type="title"/>
           </p:nvPr>
         </p:nvSpPr>
-        <p:spPr>
-          <a:xfrm>
-            <a:off x="8610600" y="381000"/>
-            <a:ext cx="533400" cy="5867400"/>
-          </a:xfrm>
-        </p:spPr>
+        <p:spPr/>
         <p:txBody>
           <a:bodyPr>
             <a:normAutofit fontScale="90000"/>
@@ -10185,15 +9970,15 @@
           <a:p>
             <a:r>
               <a:rPr lang="en-US" dirty="0" smtClean="0"/>
-              <a:t>Word 2007 add-in</a:t>
-            </a:r>
-            <a:endParaRPr lang="en-US" dirty="0"/>
-          </a:p>
-        </p:txBody>
-      </p:sp>
-      <p:sp>
-        <p:nvSpPr>
-          <p:cNvPr id="3" name="Text Placeholder 2"/>
+              <a:t>excel add-in</a:t>
+            </a:r>
+            <a:endParaRPr lang="en-US" dirty="0"/>
+          </a:p>
+        </p:txBody>
+      </p:sp>
+      <p:sp>
+        <p:nvSpPr>
+          <p:cNvPr id="4" name="Text Placeholder 3"/>
           <p:cNvSpPr>
             <a:spLocks noGrp="1"/>
           </p:cNvSpPr>
@@ -10201,12 +9986,7 @@
             <p:ph type="body" sz="quarter" idx="13"/>
           </p:nvPr>
         </p:nvSpPr>
-        <p:spPr>
-          <a:xfrm>
-            <a:off x="304800" y="152400"/>
-            <a:ext cx="8077200" cy="457200"/>
-          </a:xfrm>
-        </p:spPr>
+        <p:spPr/>
         <p:txBody>
           <a:bodyPr>
             <a:normAutofit/>
@@ -10215,7 +9995,15 @@
           <a:p>
             <a:r>
               <a:rPr lang="en-US" dirty="0" smtClean="0"/>
-              <a:t>Format  (Existing) Table</a:t>
+              <a:t>New </a:t>
+            </a:r>
+            <a:r>
+              <a:rPr lang="en-US" dirty="0" err="1" smtClean="0"/>
+              <a:t>iResearch</a:t>
+            </a:r>
+            <a:r>
+              <a:rPr lang="en-US" dirty="0" smtClean="0"/>
+              <a:t> Workbook</a:t>
             </a:r>
             <a:endParaRPr lang="en-US" dirty="0"/>
           </a:p>
@@ -10223,14 +10011,16 @@
       </p:sp>
       <p:pic>
         <p:nvPicPr>
-          <p:cNvPr id="4" name="Picture 2"/>
+          <p:cNvPr id="2050" name="Picture 2"/>
           <p:cNvPicPr>
-            <a:picLocks noChangeAspect="1" noChangeArrowheads="1"/>
+            <a:picLocks noGrp="1" noChangeAspect="1" noChangeArrowheads="1"/>
           </p:cNvPicPr>
-          <p:nvPr/>
+          <p:nvPr>
+            <p:ph sz="quarter" idx="15"/>
+          </p:nvPr>
         </p:nvPicPr>
         <p:blipFill>
-          <a:blip r:embed="rId2"/>
+          <a:blip r:embed="rId2" cstate="print"/>
           <a:srcRect/>
           <a:stretch>
             <a:fillRect/>
@@ -10238,8 +10028,8 @@
         </p:blipFill>
         <p:spPr bwMode="auto">
           <a:xfrm>
-            <a:off x="304800" y="838200"/>
-            <a:ext cx="8153400" cy="2165747"/>
+            <a:off x="1066800" y="1676400"/>
+            <a:ext cx="6315075" cy="1809750"/>
           </a:xfrm>
           <a:prstGeom prst="rect">
             <a:avLst/>
@@ -10256,67 +10046,67 @@
       </p:pic>
       <p:sp>
         <p:nvSpPr>
-          <p:cNvPr id="9" name="Content Placeholder 8"/>
-          <p:cNvSpPr>
-            <a:spLocks noGrp="1"/>
-          </p:cNvSpPr>
-          <p:nvPr>
-            <p:ph sz="quarter" idx="15"/>
-          </p:nvPr>
-        </p:nvSpPr>
-        <p:spPr>
-          <a:xfrm>
-            <a:off x="304800" y="609600"/>
-            <a:ext cx="8077200" cy="5638800"/>
-          </a:xfrm>
-        </p:spPr>
-        <p:txBody>
-          <a:bodyPr/>
-          <a:lstStyle/>
-          <a:p>
-            <a:endParaRPr lang="en-US" dirty="0"/>
-          </a:p>
-        </p:txBody>
-      </p:sp>
-      <p:sp>
-        <p:nvSpPr>
-          <p:cNvPr id="11" name="Right Arrow 10"/>
-          <p:cNvSpPr/>
+          <p:cNvPr id="7" name="TextBox 6"/>
+          <p:cNvSpPr txBox="1"/>
           <p:nvPr/>
         </p:nvSpPr>
         <p:spPr>
-          <a:xfrm flipH="1">
-            <a:off x="1828800" y="1447800"/>
-            <a:ext cx="978408" cy="484632"/>
-          </a:xfrm>
-          <a:prstGeom prst="rightArrow">
+          <a:xfrm>
+            <a:off x="381000" y="914400"/>
+            <a:ext cx="7924800" cy="646331"/>
+          </a:xfrm>
+          <a:prstGeom prst="rect">
             <a:avLst/>
           </a:prstGeom>
-        </p:spPr>
-        <p:style>
-          <a:lnRef idx="2">
-            <a:schemeClr val="accent1">
-              <a:shade val="50000"/>
-            </a:schemeClr>
-          </a:lnRef>
-          <a:fillRef idx="1">
-            <a:schemeClr val="accent1"/>
-          </a:fillRef>
-          <a:effectRef idx="0">
-            <a:schemeClr val="accent1"/>
-          </a:effectRef>
-          <a:fontRef idx="minor">
-            <a:schemeClr val="lt1"/>
-          </a:fontRef>
-        </p:style>
-        <p:txBody>
-          <a:bodyPr rtlCol="0" anchor="ctr"/>
+          <a:noFill/>
+        </p:spPr>
+        <p:txBody>
+          <a:bodyPr wrap="square" rtlCol="0">
+            <a:spAutoFit/>
+          </a:bodyPr>
           <a:lstStyle/>
           <a:p>
-            <a:pPr algn="ctr"/>
             <a:r>
               <a:rPr lang="en-US" dirty="0" smtClean="0"/>
-              <a:t>1</a:t>
+              <a:t>To create an Excel workbook based on </a:t>
+            </a:r>
+            <a:r>
+              <a:rPr lang="en-US" dirty="0" err="1" smtClean="0"/>
+              <a:t>iResearch</a:t>
+            </a:r>
+            <a:r>
+              <a:rPr lang="en-US" dirty="0" smtClean="0"/>
+              <a:t> Colors, click on the New button under HC Tab</a:t>
+            </a:r>
+            <a:endParaRPr lang="en-US" dirty="0"/>
+          </a:p>
+        </p:txBody>
+      </p:sp>
+      <p:sp>
+        <p:nvSpPr>
+          <p:cNvPr id="8" name="TextBox 7"/>
+          <p:cNvSpPr txBox="1"/>
+          <p:nvPr/>
+        </p:nvSpPr>
+        <p:spPr>
+          <a:xfrm>
+            <a:off x="457200" y="3581400"/>
+            <a:ext cx="7924800" cy="369332"/>
+          </a:xfrm>
+          <a:prstGeom prst="rect">
+            <a:avLst/>
+          </a:prstGeom>
+          <a:noFill/>
+        </p:spPr>
+        <p:txBody>
+          <a:bodyPr wrap="square" rtlCol="0">
+            <a:spAutoFit/>
+          </a:bodyPr>
+          <a:lstStyle/>
+          <a:p>
+            <a:r>
+              <a:rPr lang="en-US" dirty="0" smtClean="0"/>
+              <a:t>This will automatically adjust the new workbook theme (colors and fonts)</a:t>
             </a:r>
             <a:endParaRPr lang="en-US" dirty="0"/>
           </a:p>
@@ -10324,14 +10114,14 @@
       </p:sp>
       <p:pic>
         <p:nvPicPr>
-          <p:cNvPr id="5" name="Picture 3"/>
+          <p:cNvPr id="2051" name="Picture 3"/>
           <p:cNvPicPr>
             <a:picLocks noChangeAspect="1" noChangeArrowheads="1"/>
           </p:cNvPicPr>
           <p:nvPr/>
         </p:nvPicPr>
         <p:blipFill>
-          <a:blip r:embed="rId3"/>
+          <a:blip r:embed="rId3" cstate="print"/>
           <a:srcRect/>
           <a:stretch>
             <a:fillRect/>
@@ -10339,16 +10129,72 @@
         </p:blipFill>
         <p:spPr bwMode="auto">
           <a:xfrm>
-            <a:off x="288548" y="4038598"/>
-            <a:ext cx="8093452" cy="838201"/>
+            <a:off x="609600" y="3962400"/>
+            <a:ext cx="2024896" cy="3557587"/>
           </a:xfrm>
           <a:prstGeom prst="rect">
             <a:avLst/>
           </a:prstGeom>
-          <a:ln>
-            <a:prstDash val="sysDash"/>
+          <a:noFill/>
+          <a:ln w="9525">
+            <a:noFill/>
+            <a:miter lim="800000"/>
             <a:headEnd/>
             <a:tailEnd/>
+          </a:ln>
+          <a:effectLst/>
+        </p:spPr>
+      </p:pic>
+      <p:pic>
+        <p:nvPicPr>
+          <p:cNvPr id="2052" name="Picture 4"/>
+          <p:cNvPicPr>
+            <a:picLocks noChangeAspect="1" noChangeArrowheads="1"/>
+          </p:cNvPicPr>
+          <p:nvPr/>
+        </p:nvPicPr>
+        <p:blipFill>
+          <a:blip r:embed="rId4" cstate="print"/>
+          <a:srcRect/>
+          <a:stretch>
+            <a:fillRect/>
+          </a:stretch>
+        </p:blipFill>
+        <p:spPr bwMode="auto">
+          <a:xfrm>
+            <a:off x="3200400" y="4038600"/>
+            <a:ext cx="1724025" cy="2514600"/>
+          </a:xfrm>
+          <a:prstGeom prst="rect">
+            <a:avLst/>
+          </a:prstGeom>
+          <a:noFill/>
+          <a:ln w="9525">
+            <a:noFill/>
+            <a:miter lim="800000"/>
+            <a:headEnd/>
+            <a:tailEnd/>
+          </a:ln>
+          <a:effectLst/>
+        </p:spPr>
+      </p:pic>
+      <p:sp>
+        <p:nvSpPr>
+          <p:cNvPr id="11" name="Rectangle 10"/>
+          <p:cNvSpPr/>
+          <p:nvPr/>
+        </p:nvSpPr>
+        <p:spPr>
+          <a:xfrm>
+            <a:off x="3124200" y="4648200"/>
+            <a:ext cx="1905000" cy="228600"/>
+          </a:xfrm>
+          <a:prstGeom prst="rect">
+            <a:avLst/>
+          </a:prstGeom>
+          <a:noFill/>
+          <a:ln w="28575">
+            <a:prstDash val="sysDot"/>
           </a:ln>
         </p:spPr>
         <p:style>
@@ -10363,38 +10209,6 @@
           </a:effectRef>
           <a:fontRef idx="minor">
             <a:schemeClr val="dk1"/>
-          </a:fontRef>
-        </p:style>
-      </p:pic>
-      <p:sp>
-        <p:nvSpPr>
-          <p:cNvPr id="12" name="Down Arrow 11"/>
-          <p:cNvSpPr/>
-          <p:nvPr/>
-        </p:nvSpPr>
-        <p:spPr>
-          <a:xfrm>
-            <a:off x="2819400" y="3048000"/>
-            <a:ext cx="484632" cy="978408"/>
-          </a:xfrm>
-          <a:prstGeom prst="downArrow">
-            <a:avLst/>
-          </a:prstGeom>
-        </p:spPr>
-        <p:style>
-          <a:lnRef idx="2">
-            <a:schemeClr val="accent1">
-              <a:shade val="50000"/>
-            </a:schemeClr>
-          </a:lnRef>
-          <a:fillRef idx="1">
-            <a:schemeClr val="accent1"/>
-          </a:fillRef>
-          <a:effectRef idx="0">
-            <a:schemeClr val="accent1"/>
-          </a:effectRef>
-          <a:fontRef idx="minor">
-            <a:schemeClr val="lt1"/>
           </a:fontRef>
         </p:style>
         <p:txBody>
@@ -10457,7 +10271,7 @@
           <a:p>
             <a:r>
               <a:rPr lang="en-US" dirty="0" smtClean="0"/>
-              <a:t>Word 2007 add-in</a:t>
+              <a:t>excel add-in</a:t>
             </a:r>
             <a:endParaRPr lang="en-US" dirty="0"/>
           </a:p>
@@ -10480,48 +10294,15 @@
           <a:p>
             <a:r>
               <a:rPr lang="en-US" dirty="0" smtClean="0"/>
-              <a:t>Embed or Link Excel Selection</a:t>
-            </a:r>
-            <a:endParaRPr lang="en-US" dirty="0"/>
-          </a:p>
-        </p:txBody>
-      </p:sp>
-      <p:sp>
-        <p:nvSpPr>
-          <p:cNvPr id="4" name="Content Placeholder 3"/>
-          <p:cNvSpPr>
-            <a:spLocks noGrp="1"/>
-          </p:cNvSpPr>
-          <p:nvPr>
-            <p:ph sz="quarter" idx="15"/>
-          </p:nvPr>
-        </p:nvSpPr>
-        <p:spPr/>
-        <p:txBody>
-          <a:bodyPr/>
-          <a:lstStyle/>
-          <a:p>
+              <a:t>Format a range of cells using </a:t>
+            </a:r>
+            <a:r>
+              <a:rPr lang="en-US" dirty="0" err="1" smtClean="0"/>
+              <a:t>iResearch</a:t>
+            </a:r>
             <a:r>
               <a:rPr lang="en-US" dirty="0" smtClean="0"/>
-              <a:t>Step 1 : Open a saved Excel workbook and select a range of cells</a:t>
-            </a:r>
-          </a:p>
-          <a:p>
-            <a:r>
-              <a:rPr lang="en-US" dirty="0" smtClean="0"/>
-              <a:t>Step 2 : Open a Word document and place the cursor in the insertion place</a:t>
-            </a:r>
-          </a:p>
-          <a:p>
-            <a:r>
-              <a:rPr lang="en-US" dirty="0" smtClean="0"/>
-              <a:t>Step 3 : From HC tab, Select Excel Selection &gt; Embed here or Link Here</a:t>
-            </a:r>
-          </a:p>
-          <a:p>
-            <a:r>
-              <a:rPr lang="en-US" dirty="0" smtClean="0"/>
-              <a:t>Step 4 : To Edit the inserted range, select Worksheet Object &gt; Edit or Open</a:t>
+              <a:t> Table Look and Feel</a:t>
             </a:r>
             <a:endParaRPr lang="en-US" dirty="0"/>
           </a:p>
@@ -10529,14 +10310,14 @@
       </p:sp>
       <p:pic>
         <p:nvPicPr>
-          <p:cNvPr id="1028" name="Picture 4"/>
+          <p:cNvPr id="3074" name="Picture 2"/>
           <p:cNvPicPr>
             <a:picLocks noChangeAspect="1" noChangeArrowheads="1"/>
           </p:cNvPicPr>
           <p:nvPr/>
         </p:nvPicPr>
         <p:blipFill>
-          <a:blip r:embed="rId2"/>
+          <a:blip r:embed="rId2" cstate="print"/>
           <a:srcRect/>
           <a:stretch>
             <a:fillRect/>
@@ -10544,8 +10325,8 @@
         </p:blipFill>
         <p:spPr bwMode="auto">
           <a:xfrm>
-            <a:off x="1447800" y="1600200"/>
-            <a:ext cx="2171700" cy="1990725"/>
+            <a:off x="5334000" y="685800"/>
+            <a:ext cx="3057525" cy="2508016"/>
           </a:xfrm>
           <a:prstGeom prst="rect">
             <a:avLst/>
@@ -10562,14 +10343,14 @@
       </p:pic>
       <p:pic>
         <p:nvPicPr>
-          <p:cNvPr id="1029" name="Picture 5"/>
+          <p:cNvPr id="3075" name="Picture 3"/>
           <p:cNvPicPr>
             <a:picLocks noChangeAspect="1" noChangeArrowheads="1"/>
           </p:cNvPicPr>
           <p:nvPr/>
         </p:nvPicPr>
         <p:blipFill>
-          <a:blip r:embed="rId3"/>
+          <a:blip r:embed="rId3" cstate="print"/>
           <a:srcRect/>
           <a:stretch>
             <a:fillRect/>
@@ -10577,8 +10358,8 @@
         </p:blipFill>
         <p:spPr bwMode="auto">
           <a:xfrm>
-            <a:off x="1447800" y="4343400"/>
-            <a:ext cx="2185655" cy="2043112"/>
+            <a:off x="457200" y="3276600"/>
+            <a:ext cx="1981200" cy="2000250"/>
           </a:xfrm>
           <a:prstGeom prst="rect">
             <a:avLst/>
@@ -10595,727 +10376,6 @@
       </p:pic>
       <p:pic>
         <p:nvPicPr>
-          <p:cNvPr id="1030" name="Picture 6"/>
-          <p:cNvPicPr>
-            <a:picLocks noChangeAspect="1" noChangeArrowheads="1"/>
-          </p:cNvPicPr>
-          <p:nvPr/>
-        </p:nvPicPr>
-        <p:blipFill>
-          <a:blip r:embed="rId4"/>
-          <a:srcRect/>
-          <a:stretch>
-            <a:fillRect/>
-          </a:stretch>
-        </p:blipFill>
-        <p:spPr bwMode="auto">
-          <a:xfrm>
-            <a:off x="4648200" y="1524000"/>
-            <a:ext cx="3697488" cy="4467225"/>
-          </a:xfrm>
-          <a:prstGeom prst="rect">
-            <a:avLst/>
-          </a:prstGeom>
-          <a:noFill/>
-          <a:ln w="9525">
-            <a:noFill/>
-            <a:miter lim="800000"/>
-            <a:headEnd/>
-            <a:tailEnd/>
-          </a:ln>
-          <a:effectLst/>
-        </p:spPr>
-      </p:pic>
-      <p:sp>
-        <p:nvSpPr>
-          <p:cNvPr id="19" name="Right Arrow 18"/>
-          <p:cNvSpPr/>
-          <p:nvPr/>
-        </p:nvSpPr>
-        <p:spPr>
-          <a:xfrm>
-            <a:off x="1219200" y="3124200"/>
-            <a:ext cx="978408" cy="484632"/>
-          </a:xfrm>
-          <a:prstGeom prst="rightArrow">
-            <a:avLst/>
-          </a:prstGeom>
-        </p:spPr>
-        <p:style>
-          <a:lnRef idx="2">
-            <a:schemeClr val="accent1">
-              <a:shade val="50000"/>
-            </a:schemeClr>
-          </a:lnRef>
-          <a:fillRef idx="1">
-            <a:schemeClr val="accent1"/>
-          </a:fillRef>
-          <a:effectRef idx="0">
-            <a:schemeClr val="accent1"/>
-          </a:effectRef>
-          <a:fontRef idx="minor">
-            <a:schemeClr val="lt1"/>
-          </a:fontRef>
-        </p:style>
-        <p:txBody>
-          <a:bodyPr rtlCol="0" anchor="ctr"/>
-          <a:lstStyle/>
-          <a:p>
-            <a:pPr algn="ctr"/>
-            <a:r>
-              <a:rPr lang="en-US" dirty="0" smtClean="0"/>
-              <a:t>1</a:t>
-            </a:r>
-            <a:endParaRPr lang="en-US" dirty="0"/>
-          </a:p>
-        </p:txBody>
-      </p:sp>
-      <p:sp>
-        <p:nvSpPr>
-          <p:cNvPr id="20" name="Right Arrow 19"/>
-          <p:cNvSpPr/>
-          <p:nvPr/>
-        </p:nvSpPr>
-        <p:spPr>
-          <a:xfrm>
-            <a:off x="1524000" y="5029200"/>
-            <a:ext cx="978408" cy="484632"/>
-          </a:xfrm>
-          <a:prstGeom prst="rightArrow">
-            <a:avLst/>
-          </a:prstGeom>
-        </p:spPr>
-        <p:style>
-          <a:lnRef idx="2">
-            <a:schemeClr val="accent1">
-              <a:shade val="50000"/>
-            </a:schemeClr>
-          </a:lnRef>
-          <a:fillRef idx="1">
-            <a:schemeClr val="accent1"/>
-          </a:fillRef>
-          <a:effectRef idx="0">
-            <a:schemeClr val="accent1"/>
-          </a:effectRef>
-          <a:fontRef idx="minor">
-            <a:schemeClr val="lt1"/>
-          </a:fontRef>
-        </p:style>
-        <p:txBody>
-          <a:bodyPr rtlCol="0" anchor="ctr"/>
-          <a:lstStyle/>
-          <a:p>
-            <a:pPr algn="ctr"/>
-            <a:r>
-              <a:rPr lang="en-US" dirty="0" smtClean="0"/>
-              <a:t>3</a:t>
-            </a:r>
-            <a:endParaRPr lang="en-US" dirty="0"/>
-          </a:p>
-        </p:txBody>
-      </p:sp>
-      <p:sp>
-        <p:nvSpPr>
-          <p:cNvPr id="21" name="Right Arrow 20"/>
-          <p:cNvSpPr/>
-          <p:nvPr/>
-        </p:nvSpPr>
-        <p:spPr>
-          <a:xfrm>
-            <a:off x="5105400" y="4876800"/>
-            <a:ext cx="978408" cy="484632"/>
-          </a:xfrm>
-          <a:prstGeom prst="rightArrow">
-            <a:avLst/>
-          </a:prstGeom>
-        </p:spPr>
-        <p:style>
-          <a:lnRef idx="2">
-            <a:schemeClr val="accent1">
-              <a:shade val="50000"/>
-            </a:schemeClr>
-          </a:lnRef>
-          <a:fillRef idx="1">
-            <a:schemeClr val="accent1"/>
-          </a:fillRef>
-          <a:effectRef idx="0">
-            <a:schemeClr val="accent1"/>
-          </a:effectRef>
-          <a:fontRef idx="minor">
-            <a:schemeClr val="lt1"/>
-          </a:fontRef>
-        </p:style>
-        <p:txBody>
-          <a:bodyPr rtlCol="0" anchor="ctr"/>
-          <a:lstStyle/>
-          <a:p>
-            <a:pPr algn="ctr"/>
-            <a:r>
-              <a:rPr lang="en-US" dirty="0" smtClean="0"/>
-              <a:t>4</a:t>
-            </a:r>
-            <a:endParaRPr lang="en-US" dirty="0"/>
-          </a:p>
-        </p:txBody>
-      </p:sp>
-      <p:sp>
-        <p:nvSpPr>
-          <p:cNvPr id="22" name="Right Arrow 21"/>
-          <p:cNvSpPr/>
-          <p:nvPr/>
-        </p:nvSpPr>
-        <p:spPr>
-          <a:xfrm>
-            <a:off x="457200" y="4191000"/>
-            <a:ext cx="978408" cy="484632"/>
-          </a:xfrm>
-          <a:prstGeom prst="rightArrow">
-            <a:avLst/>
-          </a:prstGeom>
-        </p:spPr>
-        <p:style>
-          <a:lnRef idx="2">
-            <a:schemeClr val="accent1">
-              <a:shade val="50000"/>
-            </a:schemeClr>
-          </a:lnRef>
-          <a:fillRef idx="1">
-            <a:schemeClr val="accent1"/>
-          </a:fillRef>
-          <a:effectRef idx="0">
-            <a:schemeClr val="accent1"/>
-          </a:effectRef>
-          <a:fontRef idx="minor">
-            <a:schemeClr val="lt1"/>
-          </a:fontRef>
-        </p:style>
-        <p:txBody>
-          <a:bodyPr rtlCol="0" anchor="ctr"/>
-          <a:lstStyle/>
-          <a:p>
-            <a:pPr algn="ctr"/>
-            <a:r>
-              <a:rPr lang="en-US" dirty="0" smtClean="0"/>
-              <a:t>2</a:t>
-            </a:r>
-            <a:endParaRPr lang="en-US" dirty="0"/>
-          </a:p>
-        </p:txBody>
-      </p:sp>
-    </p:spTree>
-  </p:cSld>
-  <p:clrMapOvr>
-    <a:masterClrMapping/>
-  </p:clrMapOvr>
-  <p:timing>
-    <p:tnLst>
-      <p:par>
-        <p:cTn id="1" dur="indefinite" restart="never" nodeType="tmRoot"/>
-      </p:par>
-    </p:tnLst>
-  </p:timing>
-</p:sld>
-</file>
-
-<file path=ppt/slides/slide13.xml><?xml version="1.0" encoding="utf-8"?>
-<p:sld xmlns:a="http://schemas.openxmlformats.org/drawingml/2006/main" xmlns:r="http://schemas.openxmlformats.org/officeDocument/2006/relationships" xmlns:p="http://schemas.openxmlformats.org/presentationml/2006/main">
-  <p:cSld>
-    <p:spTree>
-      <p:nvGrpSpPr>
-        <p:cNvPr id="1" name=""/>
-        <p:cNvGrpSpPr/>
-        <p:nvPr/>
-      </p:nvGrpSpPr>
-      <p:grpSpPr>
-        <a:xfrm>
-          <a:off x="0" y="0"/>
-          <a:ext cx="0" cy="0"/>
-          <a:chOff x="0" y="0"/>
-          <a:chExt cx="0" cy="0"/>
-        </a:xfrm>
-      </p:grpSpPr>
-      <p:sp>
-        <p:nvSpPr>
-          <p:cNvPr id="3" name="Rectangle 2"/>
-          <p:cNvSpPr>
-            <a:spLocks noGrp="1"/>
-          </p:cNvSpPr>
-          <p:nvPr>
-            <p:ph type="ctrTitle"/>
-          </p:nvPr>
-        </p:nvSpPr>
-        <p:spPr/>
-        <p:txBody>
-          <a:bodyPr/>
-          <a:lstStyle>
-            <a:extLst/>
-          </a:lstStyle>
-          <a:p>
-            <a:r>
-              <a:rPr lang="en-US" dirty="0" smtClean="0"/>
-              <a:t>excel 2007 add-in</a:t>
-            </a:r>
-            <a:endParaRPr lang="en-US" dirty="0"/>
-          </a:p>
-        </p:txBody>
-      </p:sp>
-    </p:spTree>
-  </p:cSld>
-  <p:clrMapOvr>
-    <a:masterClrMapping/>
-  </p:clrMapOvr>
-  <p:timing>
-    <p:tnLst>
-      <p:par>
-        <p:cTn id="1" dur="indefinite" restart="never" nodeType="tmRoot"/>
-      </p:par>
-    </p:tnLst>
-  </p:timing>
-</p:sld>
-</file>
-
-<file path=ppt/slides/slide14.xml><?xml version="1.0" encoding="utf-8"?>
-<p:sld xmlns:a="http://schemas.openxmlformats.org/drawingml/2006/main" xmlns:r="http://schemas.openxmlformats.org/officeDocument/2006/relationships" xmlns:p="http://schemas.openxmlformats.org/presentationml/2006/main">
-  <p:cSld>
-    <p:spTree>
-      <p:nvGrpSpPr>
-        <p:cNvPr id="1" name=""/>
-        <p:cNvGrpSpPr/>
-        <p:nvPr/>
-      </p:nvGrpSpPr>
-      <p:grpSpPr>
-        <a:xfrm>
-          <a:off x="0" y="0"/>
-          <a:ext cx="0" cy="0"/>
-          <a:chOff x="0" y="0"/>
-          <a:chExt cx="0" cy="0"/>
-        </a:xfrm>
-      </p:grpSpPr>
-      <p:sp>
-        <p:nvSpPr>
-          <p:cNvPr id="3" name="Title 2"/>
-          <p:cNvSpPr>
-            <a:spLocks noGrp="1"/>
-          </p:cNvSpPr>
-          <p:nvPr>
-            <p:ph type="title"/>
-          </p:nvPr>
-        </p:nvSpPr>
-        <p:spPr/>
-        <p:txBody>
-          <a:bodyPr>
-            <a:normAutofit fontScale="90000"/>
-          </a:bodyPr>
-          <a:lstStyle/>
-          <a:p>
-            <a:r>
-              <a:rPr lang="en-US" dirty="0" smtClean="0"/>
-              <a:t>excel add-in</a:t>
-            </a:r>
-            <a:endParaRPr lang="en-US" dirty="0"/>
-          </a:p>
-        </p:txBody>
-      </p:sp>
-      <p:sp>
-        <p:nvSpPr>
-          <p:cNvPr id="4" name="Text Placeholder 3"/>
-          <p:cNvSpPr>
-            <a:spLocks noGrp="1"/>
-          </p:cNvSpPr>
-          <p:nvPr>
-            <p:ph type="body" sz="quarter" idx="13"/>
-          </p:nvPr>
-        </p:nvSpPr>
-        <p:spPr/>
-        <p:txBody>
-          <a:bodyPr>
-            <a:normAutofit/>
-          </a:bodyPr>
-          <a:lstStyle/>
-          <a:p>
-            <a:r>
-              <a:rPr lang="en-US" dirty="0" smtClean="0"/>
-              <a:t>New </a:t>
-            </a:r>
-            <a:r>
-              <a:rPr lang="en-US" dirty="0" err="1" smtClean="0"/>
-              <a:t>iResearch</a:t>
-            </a:r>
-            <a:r>
-              <a:rPr lang="en-US" dirty="0" smtClean="0"/>
-              <a:t> Workbook</a:t>
-            </a:r>
-            <a:endParaRPr lang="en-US" dirty="0"/>
-          </a:p>
-        </p:txBody>
-      </p:sp>
-      <p:pic>
-        <p:nvPicPr>
-          <p:cNvPr id="2050" name="Picture 2"/>
-          <p:cNvPicPr>
-            <a:picLocks noGrp="1" noChangeAspect="1" noChangeArrowheads="1"/>
-          </p:cNvPicPr>
-          <p:nvPr>
-            <p:ph sz="quarter" idx="15"/>
-          </p:nvPr>
-        </p:nvPicPr>
-        <p:blipFill>
-          <a:blip r:embed="rId2"/>
-          <a:srcRect/>
-          <a:stretch>
-            <a:fillRect/>
-          </a:stretch>
-        </p:blipFill>
-        <p:spPr bwMode="auto">
-          <a:xfrm>
-            <a:off x="1066800" y="1676400"/>
-            <a:ext cx="6315075" cy="1809750"/>
-          </a:xfrm>
-          <a:prstGeom prst="rect">
-            <a:avLst/>
-          </a:prstGeom>
-          <a:noFill/>
-          <a:ln w="9525">
-            <a:noFill/>
-            <a:miter lim="800000"/>
-            <a:headEnd/>
-            <a:tailEnd/>
-          </a:ln>
-          <a:effectLst/>
-        </p:spPr>
-      </p:pic>
-      <p:sp>
-        <p:nvSpPr>
-          <p:cNvPr id="7" name="TextBox 6"/>
-          <p:cNvSpPr txBox="1"/>
-          <p:nvPr/>
-        </p:nvSpPr>
-        <p:spPr>
-          <a:xfrm>
-            <a:off x="381000" y="914400"/>
-            <a:ext cx="7924800" cy="646331"/>
-          </a:xfrm>
-          <a:prstGeom prst="rect">
-            <a:avLst/>
-          </a:prstGeom>
-          <a:noFill/>
-        </p:spPr>
-        <p:txBody>
-          <a:bodyPr wrap="square" rtlCol="0">
-            <a:spAutoFit/>
-          </a:bodyPr>
-          <a:lstStyle/>
-          <a:p>
-            <a:r>
-              <a:rPr lang="en-US" dirty="0" smtClean="0"/>
-              <a:t>To create an Excel workbook based on </a:t>
-            </a:r>
-            <a:r>
-              <a:rPr lang="en-US" dirty="0" err="1" smtClean="0"/>
-              <a:t>iResearch</a:t>
-            </a:r>
-            <a:r>
-              <a:rPr lang="en-US" dirty="0" smtClean="0"/>
-              <a:t> Colors, click on the New button under HC Tab</a:t>
-            </a:r>
-            <a:endParaRPr lang="en-US" dirty="0"/>
-          </a:p>
-        </p:txBody>
-      </p:sp>
-      <p:sp>
-        <p:nvSpPr>
-          <p:cNvPr id="8" name="TextBox 7"/>
-          <p:cNvSpPr txBox="1"/>
-          <p:nvPr/>
-        </p:nvSpPr>
-        <p:spPr>
-          <a:xfrm>
-            <a:off x="457200" y="3581400"/>
-            <a:ext cx="7924800" cy="369332"/>
-          </a:xfrm>
-          <a:prstGeom prst="rect">
-            <a:avLst/>
-          </a:prstGeom>
-          <a:noFill/>
-        </p:spPr>
-        <p:txBody>
-          <a:bodyPr wrap="square" rtlCol="0">
-            <a:spAutoFit/>
-          </a:bodyPr>
-          <a:lstStyle/>
-          <a:p>
-            <a:r>
-              <a:rPr lang="en-US" dirty="0" smtClean="0"/>
-              <a:t>This will automatically adjust the new workbook theme (colors and fonts)</a:t>
-            </a:r>
-            <a:endParaRPr lang="en-US" dirty="0"/>
-          </a:p>
-        </p:txBody>
-      </p:sp>
-      <p:pic>
-        <p:nvPicPr>
-          <p:cNvPr id="2051" name="Picture 3"/>
-          <p:cNvPicPr>
-            <a:picLocks noChangeAspect="1" noChangeArrowheads="1"/>
-          </p:cNvPicPr>
-          <p:nvPr/>
-        </p:nvPicPr>
-        <p:blipFill>
-          <a:blip r:embed="rId3"/>
-          <a:srcRect/>
-          <a:stretch>
-            <a:fillRect/>
-          </a:stretch>
-        </p:blipFill>
-        <p:spPr bwMode="auto">
-          <a:xfrm>
-            <a:off x="609600" y="3962400"/>
-            <a:ext cx="2024896" cy="3557587"/>
-          </a:xfrm>
-          <a:prstGeom prst="rect">
-            <a:avLst/>
-          </a:prstGeom>
-          <a:noFill/>
-          <a:ln w="9525">
-            <a:noFill/>
-            <a:miter lim="800000"/>
-            <a:headEnd/>
-            <a:tailEnd/>
-          </a:ln>
-          <a:effectLst/>
-        </p:spPr>
-      </p:pic>
-      <p:pic>
-        <p:nvPicPr>
-          <p:cNvPr id="2052" name="Picture 4"/>
-          <p:cNvPicPr>
-            <a:picLocks noChangeAspect="1" noChangeArrowheads="1"/>
-          </p:cNvPicPr>
-          <p:nvPr/>
-        </p:nvPicPr>
-        <p:blipFill>
-          <a:blip r:embed="rId4"/>
-          <a:srcRect/>
-          <a:stretch>
-            <a:fillRect/>
-          </a:stretch>
-        </p:blipFill>
-        <p:spPr bwMode="auto">
-          <a:xfrm>
-            <a:off x="3200400" y="4038600"/>
-            <a:ext cx="1724025" cy="2514600"/>
-          </a:xfrm>
-          <a:prstGeom prst="rect">
-            <a:avLst/>
-          </a:prstGeom>
-          <a:noFill/>
-          <a:ln w="9525">
-            <a:noFill/>
-            <a:miter lim="800000"/>
-            <a:headEnd/>
-            <a:tailEnd/>
-          </a:ln>
-          <a:effectLst/>
-        </p:spPr>
-      </p:pic>
-      <p:sp>
-        <p:nvSpPr>
-          <p:cNvPr id="11" name="Rectangle 10"/>
-          <p:cNvSpPr/>
-          <p:nvPr/>
-        </p:nvSpPr>
-        <p:spPr>
-          <a:xfrm>
-            <a:off x="3124200" y="4648200"/>
-            <a:ext cx="1905000" cy="228600"/>
-          </a:xfrm>
-          <a:prstGeom prst="rect">
-            <a:avLst/>
-          </a:prstGeom>
-          <a:noFill/>
-          <a:ln w="28575">
-            <a:prstDash val="sysDot"/>
-          </a:ln>
-        </p:spPr>
-        <p:style>
-          <a:lnRef idx="2">
-            <a:schemeClr val="accent6"/>
-          </a:lnRef>
-          <a:fillRef idx="1">
-            <a:schemeClr val="lt1"/>
-          </a:fillRef>
-          <a:effectRef idx="0">
-            <a:schemeClr val="accent6"/>
-          </a:effectRef>
-          <a:fontRef idx="minor">
-            <a:schemeClr val="dk1"/>
-          </a:fontRef>
-        </p:style>
-        <p:txBody>
-          <a:bodyPr rtlCol="0" anchor="ctr"/>
-          <a:lstStyle/>
-          <a:p>
-            <a:pPr algn="ctr"/>
-            <a:endParaRPr lang="en-US"/>
-          </a:p>
-        </p:txBody>
-      </p:sp>
-    </p:spTree>
-  </p:cSld>
-  <p:clrMapOvr>
-    <a:masterClrMapping/>
-  </p:clrMapOvr>
-  <p:timing>
-    <p:tnLst>
-      <p:par>
-        <p:cTn id="1" dur="indefinite" restart="never" nodeType="tmRoot"/>
-      </p:par>
-    </p:tnLst>
-  </p:timing>
-</p:sld>
-</file>
-
-<file path=ppt/slides/slide15.xml><?xml version="1.0" encoding="utf-8"?>
-<p:sld xmlns:a="http://schemas.openxmlformats.org/drawingml/2006/main" xmlns:r="http://schemas.openxmlformats.org/officeDocument/2006/relationships" xmlns:p="http://schemas.openxmlformats.org/presentationml/2006/main">
-  <p:cSld>
-    <p:spTree>
-      <p:nvGrpSpPr>
-        <p:cNvPr id="1" name=""/>
-        <p:cNvGrpSpPr/>
-        <p:nvPr/>
-      </p:nvGrpSpPr>
-      <p:grpSpPr>
-        <a:xfrm>
-          <a:off x="0" y="0"/>
-          <a:ext cx="0" cy="0"/>
-          <a:chOff x="0" y="0"/>
-          <a:chExt cx="0" cy="0"/>
-        </a:xfrm>
-      </p:grpSpPr>
-      <p:sp>
-        <p:nvSpPr>
-          <p:cNvPr id="2" name="Title 1"/>
-          <p:cNvSpPr>
-            <a:spLocks noGrp="1"/>
-          </p:cNvSpPr>
-          <p:nvPr>
-            <p:ph type="title"/>
-          </p:nvPr>
-        </p:nvSpPr>
-        <p:spPr/>
-        <p:txBody>
-          <a:bodyPr>
-            <a:normAutofit fontScale="90000"/>
-          </a:bodyPr>
-          <a:lstStyle/>
-          <a:p>
-            <a:r>
-              <a:rPr lang="en-US" dirty="0" smtClean="0"/>
-              <a:t>excel add-in</a:t>
-            </a:r>
-            <a:endParaRPr lang="en-US" dirty="0"/>
-          </a:p>
-        </p:txBody>
-      </p:sp>
-      <p:sp>
-        <p:nvSpPr>
-          <p:cNvPr id="3" name="Text Placeholder 2"/>
-          <p:cNvSpPr>
-            <a:spLocks noGrp="1"/>
-          </p:cNvSpPr>
-          <p:nvPr>
-            <p:ph type="body" sz="quarter" idx="13"/>
-          </p:nvPr>
-        </p:nvSpPr>
-        <p:spPr/>
-        <p:txBody>
-          <a:bodyPr/>
-          <a:lstStyle/>
-          <a:p>
-            <a:r>
-              <a:rPr lang="en-US" dirty="0" smtClean="0"/>
-              <a:t>Format a range of cells using </a:t>
-            </a:r>
-            <a:r>
-              <a:rPr lang="en-US" dirty="0" err="1" smtClean="0"/>
-              <a:t>iResearch</a:t>
-            </a:r>
-            <a:r>
-              <a:rPr lang="en-US" dirty="0" smtClean="0"/>
-              <a:t> Table Look and Feel</a:t>
-            </a:r>
-            <a:endParaRPr lang="en-US" dirty="0"/>
-          </a:p>
-        </p:txBody>
-      </p:sp>
-      <p:pic>
-        <p:nvPicPr>
-          <p:cNvPr id="3074" name="Picture 2"/>
-          <p:cNvPicPr>
-            <a:picLocks noChangeAspect="1" noChangeArrowheads="1"/>
-          </p:cNvPicPr>
-          <p:nvPr/>
-        </p:nvPicPr>
-        <p:blipFill>
-          <a:blip r:embed="rId2"/>
-          <a:srcRect/>
-          <a:stretch>
-            <a:fillRect/>
-          </a:stretch>
-        </p:blipFill>
-        <p:spPr bwMode="auto">
-          <a:xfrm>
-            <a:off x="5334000" y="685800"/>
-            <a:ext cx="3057525" cy="2508016"/>
-          </a:xfrm>
-          <a:prstGeom prst="rect">
-            <a:avLst/>
-          </a:prstGeom>
-          <a:noFill/>
-          <a:ln w="9525">
-            <a:noFill/>
-            <a:miter lim="800000"/>
-            <a:headEnd/>
-            <a:tailEnd/>
-          </a:ln>
-          <a:effectLst/>
-        </p:spPr>
-      </p:pic>
-      <p:pic>
-        <p:nvPicPr>
-          <p:cNvPr id="3075" name="Picture 3"/>
-          <p:cNvPicPr>
-            <a:picLocks noChangeAspect="1" noChangeArrowheads="1"/>
-          </p:cNvPicPr>
-          <p:nvPr/>
-        </p:nvPicPr>
-        <p:blipFill>
-          <a:blip r:embed="rId3"/>
-          <a:srcRect/>
-          <a:stretch>
-            <a:fillRect/>
-          </a:stretch>
-        </p:blipFill>
-        <p:spPr bwMode="auto">
-          <a:xfrm>
-            <a:off x="457200" y="3276600"/>
-            <a:ext cx="1981200" cy="2000250"/>
-          </a:xfrm>
-          <a:prstGeom prst="rect">
-            <a:avLst/>
-          </a:prstGeom>
-          <a:noFill/>
-          <a:ln w="9525">
-            <a:noFill/>
-            <a:miter lim="800000"/>
-            <a:headEnd/>
-            <a:tailEnd/>
-          </a:ln>
-          <a:effectLst/>
-        </p:spPr>
-      </p:pic>
-      <p:pic>
-        <p:nvPicPr>
           <p:cNvPr id="3076" name="Picture 4"/>
           <p:cNvPicPr>
             <a:picLocks noGrp="1" noChangeAspect="1" noChangeArrowheads="1"/>
@@ -11325,7 +10385,7 @@
           </p:nvPr>
         </p:nvPicPr>
         <p:blipFill>
-          <a:blip r:embed="rId4"/>
+          <a:blip r:embed="rId4" cstate="print"/>
           <a:srcRect/>
           <a:stretch>
             <a:fillRect/>
@@ -12441,7 +11501,7 @@
           <p:nvPr/>
         </p:nvPicPr>
         <p:blipFill>
-          <a:blip r:embed="rId3"/>
+          <a:blip r:embed="rId3" cstate="print"/>
           <a:srcRect/>
           <a:stretch>
             <a:fillRect/>
@@ -12451,39 +11511,6 @@
           <a:xfrm>
             <a:off x="381000" y="685800"/>
             <a:ext cx="7239000" cy="2257425"/>
-          </a:xfrm>
-          <a:prstGeom prst="rect">
-            <a:avLst/>
-          </a:prstGeom>
-          <a:noFill/>
-          <a:ln w="9525">
-            <a:noFill/>
-            <a:miter lim="800000"/>
-            <a:headEnd/>
-            <a:tailEnd/>
-          </a:ln>
-          <a:effectLst/>
-        </p:spPr>
-      </p:pic>
-      <p:pic>
-        <p:nvPicPr>
-          <p:cNvPr id="1027" name="Picture 3"/>
-          <p:cNvPicPr>
-            <a:picLocks noChangeAspect="1" noChangeArrowheads="1"/>
-          </p:cNvPicPr>
-          <p:nvPr/>
-        </p:nvPicPr>
-        <p:blipFill>
-          <a:blip r:embed="rId4"/>
-          <a:srcRect/>
-          <a:stretch>
-            <a:fillRect/>
-          </a:stretch>
-        </p:blipFill>
-        <p:spPr bwMode="auto">
-          <a:xfrm>
-            <a:off x="228601" y="3581400"/>
-            <a:ext cx="2819400" cy="1572491"/>
           </a:xfrm>
           <a:prstGeom prst="rect">
             <a:avLst/>
@@ -12550,7 +11577,7 @@
         </p:nvSpPr>
         <p:spPr>
           <a:xfrm flipH="1">
-            <a:off x="1981200" y="1676400"/>
+            <a:off x="2057400" y="1725168"/>
             <a:ext cx="978408" cy="484632"/>
           </a:xfrm>
           <a:prstGeom prst="rightArrow">
@@ -12594,7 +11621,7 @@
         </p:nvSpPr>
         <p:spPr>
           <a:xfrm rot="2853920">
-            <a:off x="304800" y="3048000"/>
+            <a:off x="705526" y="3101643"/>
             <a:ext cx="978408" cy="484632"/>
           </a:xfrm>
           <a:prstGeom prst="rightArrow">
@@ -12630,39 +11657,6 @@
           </a:p>
         </p:txBody>
       </p:sp>
-      <p:pic>
-        <p:nvPicPr>
-          <p:cNvPr id="4" name="Picture 4"/>
-          <p:cNvPicPr>
-            <a:picLocks noChangeAspect="1" noChangeArrowheads="1"/>
-          </p:cNvPicPr>
-          <p:nvPr/>
-        </p:nvPicPr>
-        <p:blipFill>
-          <a:blip r:embed="rId5"/>
-          <a:srcRect/>
-          <a:stretch>
-            <a:fillRect/>
-          </a:stretch>
-        </p:blipFill>
-        <p:spPr bwMode="auto">
-          <a:xfrm>
-            <a:off x="3124200" y="4198918"/>
-            <a:ext cx="4800600" cy="2659082"/>
-          </a:xfrm>
-          <a:prstGeom prst="rect">
-            <a:avLst/>
-          </a:prstGeom>
-          <a:noFill/>
-          <a:ln w="9525">
-            <a:noFill/>
-            <a:miter lim="800000"/>
-            <a:headEnd/>
-            <a:tailEnd/>
-          </a:ln>
-          <a:effectLst/>
-        </p:spPr>
-      </p:pic>
       <p:sp>
         <p:nvSpPr>
           <p:cNvPr id="17" name="Right Arrow 16"/>
@@ -12671,7 +11665,7 @@
         </p:nvSpPr>
         <p:spPr>
           <a:xfrm rot="2853920">
-            <a:off x="2153326" y="5159042"/>
+            <a:off x="3067727" y="4778042"/>
             <a:ext cx="978408" cy="484632"/>
           </a:xfrm>
           <a:prstGeom prst="rightArrow">
@@ -12707,244 +11701,16 @@
           </a:p>
         </p:txBody>
       </p:sp>
-      <p:sp>
-        <p:nvSpPr>
-          <p:cNvPr id="14" name="5-Point Star 13"/>
-          <p:cNvSpPr/>
-          <p:nvPr/>
-        </p:nvSpPr>
-        <p:spPr>
-          <a:xfrm>
-            <a:off x="1447800" y="4038600"/>
-            <a:ext cx="76200" cy="76200"/>
-          </a:xfrm>
-          <a:prstGeom prst="star5">
-            <a:avLst/>
-          </a:prstGeom>
-        </p:spPr>
-        <p:style>
-          <a:lnRef idx="0">
-            <a:schemeClr val="accent1"/>
-          </a:lnRef>
-          <a:fillRef idx="3">
-            <a:schemeClr val="accent1"/>
-          </a:fillRef>
-          <a:effectRef idx="3">
-            <a:schemeClr val="accent1"/>
-          </a:effectRef>
-          <a:fontRef idx="minor">
-            <a:schemeClr val="lt1"/>
-          </a:fontRef>
-        </p:style>
-        <p:txBody>
-          <a:bodyPr rtlCol="0" anchor="ctr"/>
-          <a:lstStyle/>
-          <a:p>
-            <a:pPr algn="ctr"/>
-            <a:endParaRPr lang="en-US"/>
-          </a:p>
-        </p:txBody>
-      </p:sp>
-      <p:sp>
-        <p:nvSpPr>
-          <p:cNvPr id="15" name="5-Point Star 14"/>
-          <p:cNvSpPr/>
-          <p:nvPr/>
-        </p:nvSpPr>
-        <p:spPr>
-          <a:xfrm>
-            <a:off x="1447800" y="4191000"/>
-            <a:ext cx="76200" cy="76200"/>
-          </a:xfrm>
-          <a:prstGeom prst="star5">
-            <a:avLst/>
-          </a:prstGeom>
-        </p:spPr>
-        <p:style>
-          <a:lnRef idx="0">
-            <a:schemeClr val="accent3"/>
-          </a:lnRef>
-          <a:fillRef idx="3">
-            <a:schemeClr val="accent3"/>
-          </a:fillRef>
-          <a:effectRef idx="3">
-            <a:schemeClr val="accent3"/>
-          </a:effectRef>
-          <a:fontRef idx="minor">
-            <a:schemeClr val="lt1"/>
-          </a:fontRef>
-        </p:style>
-        <p:txBody>
-          <a:bodyPr rtlCol="0" anchor="ctr"/>
-          <a:lstStyle/>
-          <a:p>
-            <a:pPr algn="ctr"/>
-            <a:endParaRPr lang="en-US"/>
-          </a:p>
-        </p:txBody>
-      </p:sp>
-      <p:sp>
-        <p:nvSpPr>
-          <p:cNvPr id="16" name="5-Point Star 15"/>
-          <p:cNvSpPr/>
-          <p:nvPr/>
-        </p:nvSpPr>
-        <p:spPr>
-          <a:xfrm>
-            <a:off x="1447800" y="4343400"/>
-            <a:ext cx="76200" cy="76200"/>
-          </a:xfrm>
-          <a:prstGeom prst="star5">
-            <a:avLst/>
-          </a:prstGeom>
-        </p:spPr>
-        <p:style>
-          <a:lnRef idx="0">
-            <a:schemeClr val="accent6"/>
-          </a:lnRef>
-          <a:fillRef idx="3">
-            <a:schemeClr val="accent6"/>
-          </a:fillRef>
-          <a:effectRef idx="3">
-            <a:schemeClr val="accent6"/>
-          </a:effectRef>
-          <a:fontRef idx="minor">
-            <a:schemeClr val="lt1"/>
-          </a:fontRef>
-        </p:style>
-        <p:txBody>
-          <a:bodyPr rtlCol="0" anchor="ctr"/>
-          <a:lstStyle/>
-          <a:p>
-            <a:pPr algn="ctr"/>
-            <a:endParaRPr lang="en-US"/>
-          </a:p>
-        </p:txBody>
-      </p:sp>
-      <p:sp>
-        <p:nvSpPr>
-          <p:cNvPr id="18" name="5-Point Star 17"/>
-          <p:cNvSpPr/>
-          <p:nvPr/>
-        </p:nvSpPr>
-        <p:spPr>
-          <a:xfrm>
-            <a:off x="4343400" y="5257800"/>
-            <a:ext cx="76200" cy="76200"/>
-          </a:xfrm>
-          <a:prstGeom prst="star5">
-            <a:avLst/>
-          </a:prstGeom>
-        </p:spPr>
-        <p:style>
-          <a:lnRef idx="0">
-            <a:schemeClr val="accent1"/>
-          </a:lnRef>
-          <a:fillRef idx="3">
-            <a:schemeClr val="accent1"/>
-          </a:fillRef>
-          <a:effectRef idx="3">
-            <a:schemeClr val="accent1"/>
-          </a:effectRef>
-          <a:fontRef idx="minor">
-            <a:schemeClr val="lt1"/>
-          </a:fontRef>
-        </p:style>
-        <p:txBody>
-          <a:bodyPr rtlCol="0" anchor="ctr"/>
-          <a:lstStyle/>
-          <a:p>
-            <a:pPr algn="ctr"/>
-            <a:endParaRPr lang="en-US"/>
-          </a:p>
-        </p:txBody>
-      </p:sp>
-      <p:sp>
-        <p:nvSpPr>
-          <p:cNvPr id="19" name="5-Point Star 18"/>
-          <p:cNvSpPr/>
-          <p:nvPr/>
-        </p:nvSpPr>
-        <p:spPr>
-          <a:xfrm>
-            <a:off x="5867400" y="5105400"/>
-            <a:ext cx="76200" cy="76200"/>
-          </a:xfrm>
-          <a:prstGeom prst="star5">
-            <a:avLst/>
-          </a:prstGeom>
-        </p:spPr>
-        <p:style>
-          <a:lnRef idx="0">
-            <a:schemeClr val="accent3"/>
-          </a:lnRef>
-          <a:fillRef idx="3">
-            <a:schemeClr val="accent3"/>
-          </a:fillRef>
-          <a:effectRef idx="3">
-            <a:schemeClr val="accent3"/>
-          </a:effectRef>
-          <a:fontRef idx="minor">
-            <a:schemeClr val="lt1"/>
-          </a:fontRef>
-        </p:style>
-        <p:txBody>
-          <a:bodyPr rtlCol="0" anchor="ctr"/>
-          <a:lstStyle/>
-          <a:p>
-            <a:pPr algn="ctr"/>
-            <a:endParaRPr lang="en-US"/>
-          </a:p>
-        </p:txBody>
-      </p:sp>
-      <p:sp>
-        <p:nvSpPr>
-          <p:cNvPr id="20" name="5-Point Star 19"/>
-          <p:cNvSpPr/>
-          <p:nvPr/>
-        </p:nvSpPr>
-        <p:spPr>
-          <a:xfrm>
-            <a:off x="6172200" y="5638800"/>
-            <a:ext cx="76200" cy="76200"/>
-          </a:xfrm>
-          <a:prstGeom prst="star5">
-            <a:avLst/>
-          </a:prstGeom>
-        </p:spPr>
-        <p:style>
-          <a:lnRef idx="0">
-            <a:schemeClr val="accent6"/>
-          </a:lnRef>
-          <a:fillRef idx="3">
-            <a:schemeClr val="accent6"/>
-          </a:fillRef>
-          <a:effectRef idx="3">
-            <a:schemeClr val="accent6"/>
-          </a:effectRef>
-          <a:fontRef idx="minor">
-            <a:schemeClr val="lt1"/>
-          </a:fontRef>
-        </p:style>
-        <p:txBody>
-          <a:bodyPr rtlCol="0" anchor="ctr"/>
-          <a:lstStyle/>
-          <a:p>
-            <a:pPr algn="ctr"/>
-            <a:endParaRPr lang="en-US"/>
-          </a:p>
-        </p:txBody>
-      </p:sp>
       <p:pic>
         <p:nvPicPr>
-          <p:cNvPr id="1026" name="Picture 2"/>
+          <p:cNvPr id="3" name="Picture 2"/>
           <p:cNvPicPr>
             <a:picLocks noChangeAspect="1" noChangeArrowheads="1"/>
           </p:cNvPicPr>
           <p:nvPr/>
         </p:nvPicPr>
         <p:blipFill>
-          <a:blip r:embed="rId6"/>
+          <a:blip r:embed="rId4" cstate="print"/>
           <a:srcRect/>
           <a:stretch>
             <a:fillRect/>
@@ -12953,7 +11719,7 @@
         <p:spPr bwMode="auto">
           <a:xfrm>
             <a:off x="457200" y="1828800"/>
-            <a:ext cx="1524000" cy="857250"/>
+            <a:ext cx="1638300" cy="1095375"/>
           </a:xfrm>
           <a:prstGeom prst="rect">
             <a:avLst/>
@@ -12965,8 +11731,82 @@
             <a:headEnd/>
             <a:tailEnd/>
           </a:ln>
-          <a:effectLst/>
-        </p:spPr>
+        </p:spPr>
+      </p:pic>
+      <p:pic>
+        <p:nvPicPr>
+          <p:cNvPr id="5" name="Picture 3"/>
+          <p:cNvPicPr>
+            <a:picLocks noChangeAspect="1" noChangeArrowheads="1"/>
+          </p:cNvPicPr>
+          <p:nvPr/>
+        </p:nvPicPr>
+        <p:blipFill>
+          <a:blip r:embed="rId5" cstate="print"/>
+          <a:srcRect/>
+          <a:stretch>
+            <a:fillRect/>
+          </a:stretch>
+        </p:blipFill>
+        <p:spPr bwMode="auto">
+          <a:xfrm>
+            <a:off x="381000" y="3810000"/>
+            <a:ext cx="2895600" cy="1477905"/>
+          </a:xfrm>
+          <a:prstGeom prst="rect">
+            <a:avLst/>
+          </a:prstGeom>
+          <a:noFill/>
+          <a:ln w="9525">
+            <a:noFill/>
+            <a:miter lim="800000"/>
+            <a:headEnd/>
+            <a:tailEnd/>
+          </a:ln>
+        </p:spPr>
+      </p:pic>
+      <p:pic>
+        <p:nvPicPr>
+          <p:cNvPr id="1028" name="Picture 4"/>
+          <p:cNvPicPr>
+            <a:picLocks noChangeAspect="1" noChangeArrowheads="1"/>
+          </p:cNvPicPr>
+          <p:nvPr/>
+        </p:nvPicPr>
+        <p:blipFill>
+          <a:blip r:embed="rId6" cstate="print"/>
+          <a:srcRect/>
+          <a:stretch>
+            <a:fillRect/>
+          </a:stretch>
+        </p:blipFill>
+        <p:spPr bwMode="auto">
+          <a:xfrm>
+            <a:off x="3962400" y="3082871"/>
+            <a:ext cx="4624388" cy="3775129"/>
+          </a:xfrm>
+          <a:prstGeom prst="rect">
+            <a:avLst/>
+          </a:prstGeom>
+          <a:ln>
+            <a:headEnd/>
+            <a:tailEnd/>
+          </a:ln>
+        </p:spPr>
+        <p:style>
+          <a:lnRef idx="1">
+            <a:schemeClr val="dk1"/>
+          </a:lnRef>
+          <a:fillRef idx="2">
+            <a:schemeClr val="dk1"/>
+          </a:fillRef>
+          <a:effectRef idx="1">
+            <a:schemeClr val="dk1"/>
+          </a:effectRef>
+          <a:fontRef idx="minor">
+            <a:schemeClr val="dk1"/>
+          </a:fontRef>
+        </p:style>
       </p:pic>
     </p:spTree>
   </p:cSld>
@@ -13000,85 +11840,16 @@
           <a:chExt cx="0" cy="0"/>
         </a:xfrm>
       </p:grpSpPr>
-      <p:sp>
-        <p:nvSpPr>
-          <p:cNvPr id="2" name="Title 1"/>
-          <p:cNvSpPr>
-            <a:spLocks noGrp="1"/>
-          </p:cNvSpPr>
-          <p:nvPr>
-            <p:ph type="title"/>
-          </p:nvPr>
-        </p:nvSpPr>
-        <p:spPr/>
-        <p:txBody>
-          <a:bodyPr>
-            <a:normAutofit fontScale="90000"/>
-          </a:bodyPr>
-          <a:lstStyle/>
-          <a:p>
-            <a:r>
-              <a:rPr lang="en-US" dirty="0" smtClean="0"/>
-              <a:t>Word 2007 add-in</a:t>
-            </a:r>
-            <a:endParaRPr lang="en-US" dirty="0"/>
-          </a:p>
-        </p:txBody>
-      </p:sp>
-      <p:sp>
-        <p:nvSpPr>
-          <p:cNvPr id="3" name="Text Placeholder 2"/>
-          <p:cNvSpPr>
-            <a:spLocks noGrp="1"/>
-          </p:cNvSpPr>
-          <p:nvPr>
-            <p:ph type="body" sz="quarter" idx="13"/>
-          </p:nvPr>
-        </p:nvSpPr>
-        <p:spPr/>
-        <p:txBody>
-          <a:bodyPr>
-            <a:normAutofit/>
-          </a:bodyPr>
-          <a:lstStyle/>
-          <a:p>
-            <a:r>
-              <a:rPr lang="en-US" dirty="0" smtClean="0"/>
-              <a:t>Insert Paragraph</a:t>
-            </a:r>
-            <a:endParaRPr lang="en-US" dirty="0"/>
-          </a:p>
-        </p:txBody>
-      </p:sp>
-      <p:sp>
-        <p:nvSpPr>
-          <p:cNvPr id="4" name="Content Placeholder 3"/>
-          <p:cNvSpPr>
-            <a:spLocks noGrp="1"/>
-          </p:cNvSpPr>
-          <p:nvPr>
-            <p:ph sz="quarter" idx="15"/>
-          </p:nvPr>
-        </p:nvSpPr>
-        <p:spPr/>
-        <p:txBody>
-          <a:bodyPr/>
-          <a:lstStyle/>
-          <a:p>
-            <a:endParaRPr lang="en-US" dirty="0"/>
-          </a:p>
-        </p:txBody>
-      </p:sp>
       <p:pic>
         <p:nvPicPr>
-          <p:cNvPr id="5" name="Picture 2"/>
+          <p:cNvPr id="2051" name="Picture 3"/>
           <p:cNvPicPr>
             <a:picLocks noChangeAspect="1" noChangeArrowheads="1"/>
           </p:cNvPicPr>
           <p:nvPr/>
         </p:nvPicPr>
         <p:blipFill>
-          <a:blip r:embed="rId2"/>
+          <a:blip r:embed="rId2" cstate="print"/>
           <a:srcRect/>
           <a:stretch>
             <a:fillRect/>
@@ -13086,8 +11857,8 @@
         </p:blipFill>
         <p:spPr bwMode="auto">
           <a:xfrm>
-            <a:off x="381001" y="685801"/>
-            <a:ext cx="2362200" cy="3022600"/>
+            <a:off x="3200400" y="3124200"/>
+            <a:ext cx="5376863" cy="3095770"/>
           </a:xfrm>
           <a:prstGeom prst="rect">
             <a:avLst/>
@@ -13099,28 +11870,96 @@
             <a:headEnd/>
             <a:tailEnd/>
           </a:ln>
-          <a:effectLst/>
         </p:spPr>
       </p:pic>
+      <p:sp>
+        <p:nvSpPr>
+          <p:cNvPr id="2" name="Title 1"/>
+          <p:cNvSpPr>
+            <a:spLocks noGrp="1"/>
+          </p:cNvSpPr>
+          <p:nvPr>
+            <p:ph type="title"/>
+          </p:nvPr>
+        </p:nvSpPr>
+        <p:spPr/>
+        <p:txBody>
+          <a:bodyPr>
+            <a:normAutofit fontScale="90000"/>
+          </a:bodyPr>
+          <a:lstStyle/>
+          <a:p>
+            <a:r>
+              <a:rPr lang="en-US" dirty="0" smtClean="0"/>
+              <a:t>Word 2007 add-in</a:t>
+            </a:r>
+            <a:endParaRPr lang="en-US" dirty="0"/>
+          </a:p>
+        </p:txBody>
+      </p:sp>
+      <p:sp>
+        <p:nvSpPr>
+          <p:cNvPr id="3" name="Text Placeholder 2"/>
+          <p:cNvSpPr>
+            <a:spLocks noGrp="1"/>
+          </p:cNvSpPr>
+          <p:nvPr>
+            <p:ph type="body" sz="quarter" idx="13"/>
+          </p:nvPr>
+        </p:nvSpPr>
+        <p:spPr/>
+        <p:txBody>
+          <a:bodyPr>
+            <a:normAutofit/>
+          </a:bodyPr>
+          <a:lstStyle/>
+          <a:p>
+            <a:r>
+              <a:rPr lang="en-US" dirty="0" smtClean="0"/>
+              <a:t>Insert Paragraph</a:t>
+            </a:r>
+            <a:endParaRPr lang="en-US" dirty="0"/>
+          </a:p>
+        </p:txBody>
+      </p:sp>
+      <p:sp>
+        <p:nvSpPr>
+          <p:cNvPr id="4" name="Content Placeholder 3"/>
+          <p:cNvSpPr>
+            <a:spLocks noGrp="1"/>
+          </p:cNvSpPr>
+          <p:nvPr>
+            <p:ph sz="quarter" idx="15"/>
+          </p:nvPr>
+        </p:nvSpPr>
+        <p:spPr/>
+        <p:txBody>
+          <a:bodyPr/>
+          <a:lstStyle/>
+          <a:p>
+            <a:endParaRPr lang="en-US" dirty="0"/>
+          </a:p>
+        </p:txBody>
+      </p:sp>
       <p:pic>
         <p:nvPicPr>
-          <p:cNvPr id="6" name="Picture 3"/>
+          <p:cNvPr id="5" name="Picture 2"/>
           <p:cNvPicPr>
             <a:picLocks noChangeAspect="1" noChangeArrowheads="1"/>
           </p:cNvPicPr>
           <p:nvPr/>
         </p:nvPicPr>
         <p:blipFill>
-          <a:blip r:embed="rId3"/>
-          <a:srcRect r="26688" b="16949"/>
+          <a:blip r:embed="rId3" cstate="print"/>
+          <a:srcRect/>
           <a:stretch>
             <a:fillRect/>
           </a:stretch>
         </p:blipFill>
         <p:spPr bwMode="auto">
           <a:xfrm>
-            <a:off x="3115650" y="2286000"/>
-            <a:ext cx="4199550" cy="3733800"/>
+            <a:off x="381001" y="685801"/>
+            <a:ext cx="2362200" cy="3022600"/>
           </a:xfrm>
           <a:prstGeom prst="rect">
             <a:avLst/>
@@ -13231,8 +12070,8 @@
         </p:nvSpPr>
         <p:spPr>
           <a:xfrm>
-            <a:off x="3429000" y="3581400"/>
-            <a:ext cx="3733800" cy="2362200"/>
+            <a:off x="3429000" y="3962400"/>
+            <a:ext cx="4724400" cy="2057400"/>
           </a:xfrm>
           <a:prstGeom prst="rect">
             <a:avLst/>
@@ -13265,6 +12104,38 @@
           </a:p>
         </p:txBody>
       </p:sp>
+      <p:pic>
+        <p:nvPicPr>
+          <p:cNvPr id="2050" name="Picture 2"/>
+          <p:cNvPicPr>
+            <a:picLocks noChangeAspect="1" noChangeArrowheads="1"/>
+          </p:cNvPicPr>
+          <p:nvPr/>
+        </p:nvPicPr>
+        <p:blipFill>
+          <a:blip r:embed="rId4" cstate="print"/>
+          <a:srcRect/>
+          <a:stretch>
+            <a:fillRect/>
+          </a:stretch>
+        </p:blipFill>
+        <p:spPr bwMode="auto">
+          <a:xfrm>
+            <a:off x="990600" y="1676400"/>
+            <a:ext cx="1343025" cy="1952625"/>
+          </a:xfrm>
+          <a:prstGeom prst="rect">
+            <a:avLst/>
+          </a:prstGeom>
+          <a:noFill/>
+          <a:ln w="9525">
+            <a:noFill/>
+            <a:miter lim="800000"/>
+            <a:headEnd/>
+            <a:tailEnd/>
+          </a:ln>
+        </p:spPr>
+      </p:pic>
     </p:spTree>
   </p:cSld>
   <p:clrMapOvr>
@@ -13356,7 +12227,7 @@
           <p:nvPr/>
         </p:nvPicPr>
         <p:blipFill>
-          <a:blip r:embed="rId2"/>
+          <a:blip r:embed="rId2" cstate="print"/>
           <a:srcRect/>
           <a:stretch>
             <a:fillRect/>
@@ -13389,7 +12260,7 @@
           <p:nvPr/>
         </p:nvPicPr>
         <p:blipFill>
-          <a:blip r:embed="rId3"/>
+          <a:blip r:embed="rId3" cstate="print"/>
           <a:srcRect/>
           <a:stretch>
             <a:fillRect/>
@@ -13415,13 +12286,13 @@
       </p:pic>
       <p:sp>
         <p:nvSpPr>
-          <p:cNvPr id="12" name="Right Arrow 11"/>
+          <p:cNvPr id="13" name="Right Arrow 12"/>
           <p:cNvSpPr/>
           <p:nvPr/>
         </p:nvSpPr>
         <p:spPr>
           <a:xfrm>
-            <a:off x="76200" y="1600200"/>
+            <a:off x="3505200" y="1600200"/>
             <a:ext cx="978408" cy="484632"/>
           </a:xfrm>
           <a:prstGeom prst="rightArrow">
@@ -13451,24 +12322,24 @@
             <a:pPr algn="ctr"/>
             <a:r>
               <a:rPr lang="en-US" dirty="0" smtClean="0"/>
-              <a:t>1</a:t>
-            </a:r>
-            <a:endParaRPr lang="en-US" dirty="0"/>
-          </a:p>
-        </p:txBody>
-      </p:sp>
-      <p:sp>
-        <p:nvSpPr>
-          <p:cNvPr id="13" name="Right Arrow 12"/>
+              <a:t>2</a:t>
+            </a:r>
+            <a:endParaRPr lang="en-US" dirty="0"/>
+          </a:p>
+        </p:txBody>
+      </p:sp>
+      <p:sp>
+        <p:nvSpPr>
+          <p:cNvPr id="14" name="Down Arrow 13"/>
           <p:cNvSpPr/>
           <p:nvPr/>
         </p:nvSpPr>
         <p:spPr>
           <a:xfrm>
-            <a:off x="3505200" y="1600200"/>
-            <a:ext cx="978408" cy="484632"/>
-          </a:xfrm>
-          <a:prstGeom prst="rightArrow">
+            <a:off x="5029200" y="2679192"/>
+            <a:ext cx="484632" cy="978408"/>
+          </a:xfrm>
+          <a:prstGeom prst="downArrow">
             <a:avLst/>
           </a:prstGeom>
         </p:spPr>
@@ -13495,7 +12366,7 @@
             <a:pPr algn="ctr"/>
             <a:r>
               <a:rPr lang="en-US" dirty="0" smtClean="0"/>
-              <a:t>2</a:t>
+              <a:t>3</a:t>
             </a:r>
             <a:endParaRPr lang="en-US" dirty="0"/>
           </a:p>
@@ -13503,16 +12374,14 @@
       </p:sp>
       <p:pic>
         <p:nvPicPr>
-          <p:cNvPr id="6" name="Picture 3"/>
+          <p:cNvPr id="3074" name="Picture 2"/>
           <p:cNvPicPr>
-            <a:picLocks noGrp="1" noChangeAspect="1" noChangeArrowheads="1"/>
+            <a:picLocks noChangeAspect="1" noChangeArrowheads="1"/>
           </p:cNvPicPr>
-          <p:nvPr>
-            <p:ph sz="quarter" idx="15"/>
-          </p:nvPr>
+          <p:nvPr/>
         </p:nvPicPr>
         <p:blipFill>
-          <a:blip r:embed="rId4"/>
+          <a:blip r:embed="rId4" cstate="print"/>
           <a:srcRect/>
           <a:stretch>
             <a:fillRect/>
@@ -13520,8 +12389,8 @@
         </p:blipFill>
         <p:spPr bwMode="auto">
           <a:xfrm>
-            <a:off x="228600" y="3810000"/>
-            <a:ext cx="7910700" cy="2590800"/>
+            <a:off x="914400" y="1600200"/>
+            <a:ext cx="1371600" cy="2009775"/>
           </a:xfrm>
           <a:prstGeom prst="rect">
             <a:avLst/>
@@ -13533,21 +12402,20 @@
             <a:headEnd/>
             <a:tailEnd/>
           </a:ln>
-          <a:effectLst/>
         </p:spPr>
       </p:pic>
       <p:sp>
         <p:nvSpPr>
-          <p:cNvPr id="14" name="Down Arrow 13"/>
+          <p:cNvPr id="12" name="Right Arrow 11"/>
           <p:cNvSpPr/>
           <p:nvPr/>
         </p:nvSpPr>
         <p:spPr>
           <a:xfrm>
-            <a:off x="5029200" y="2679192"/>
-            <a:ext cx="484632" cy="978408"/>
-          </a:xfrm>
-          <a:prstGeom prst="downArrow">
+            <a:off x="76200" y="2182368"/>
+            <a:ext cx="978408" cy="484632"/>
+          </a:xfrm>
+          <a:prstGeom prst="rightArrow">
             <a:avLst/>
           </a:prstGeom>
         </p:spPr>
@@ -13574,9 +12442,102 @@
             <a:pPr algn="ctr"/>
             <a:r>
               <a:rPr lang="en-US" dirty="0" smtClean="0"/>
-              <a:t>3</a:t>
-            </a:r>
-            <a:endParaRPr lang="en-US" dirty="0"/>
+              <a:t>1</a:t>
+            </a:r>
+            <a:endParaRPr lang="en-US" dirty="0"/>
+          </a:p>
+        </p:txBody>
+      </p:sp>
+      <p:sp>
+        <p:nvSpPr>
+          <p:cNvPr id="11" name="Content Placeholder 10"/>
+          <p:cNvSpPr>
+            <a:spLocks noGrp="1"/>
+          </p:cNvSpPr>
+          <p:nvPr>
+            <p:ph sz="quarter" idx="15"/>
+          </p:nvPr>
+        </p:nvSpPr>
+        <p:spPr/>
+        <p:txBody>
+          <a:bodyPr/>
+          <a:lstStyle/>
+          <a:p>
+            <a:endParaRPr lang="en-US"/>
+          </a:p>
+        </p:txBody>
+      </p:sp>
+      <p:pic>
+        <p:nvPicPr>
+          <p:cNvPr id="4" name="Picture 3"/>
+          <p:cNvPicPr>
+            <a:picLocks noChangeAspect="1" noChangeArrowheads="1"/>
+          </p:cNvPicPr>
+          <p:nvPr/>
+        </p:nvPicPr>
+        <p:blipFill>
+          <a:blip r:embed="rId5" cstate="print"/>
+          <a:srcRect/>
+          <a:stretch>
+            <a:fillRect/>
+          </a:stretch>
+        </p:blipFill>
+        <p:spPr bwMode="auto">
+          <a:xfrm>
+            <a:off x="609600" y="3676650"/>
+            <a:ext cx="7715250" cy="3181350"/>
+          </a:xfrm>
+          <a:prstGeom prst="rect">
+            <a:avLst/>
+          </a:prstGeom>
+          <a:noFill/>
+          <a:ln w="9525">
+            <a:noFill/>
+            <a:miter lim="800000"/>
+            <a:headEnd/>
+            <a:tailEnd/>
+          </a:ln>
+        </p:spPr>
+      </p:pic>
+      <p:sp>
+        <p:nvSpPr>
+          <p:cNvPr id="15" name="Rectangle 14"/>
+          <p:cNvSpPr/>
+          <p:nvPr/>
+        </p:nvSpPr>
+        <p:spPr>
+          <a:xfrm>
+            <a:off x="990600" y="5029200"/>
+            <a:ext cx="6858000" cy="1524000"/>
+          </a:xfrm>
+          <a:prstGeom prst="rect">
+            <a:avLst/>
+          </a:prstGeom>
+          <a:noFill/>
+          <a:ln>
+            <a:prstDash val="sysDot"/>
+          </a:ln>
+        </p:spPr>
+        <p:style>
+          <a:lnRef idx="2">
+            <a:schemeClr val="accent6"/>
+          </a:lnRef>
+          <a:fillRef idx="1">
+            <a:schemeClr val="lt1"/>
+          </a:fillRef>
+          <a:effectRef idx="0">
+            <a:schemeClr val="accent6"/>
+          </a:effectRef>
+          <a:fontRef idx="minor">
+            <a:schemeClr val="dk1"/>
+          </a:fontRef>
+        </p:style>
+        <p:txBody>
+          <a:bodyPr rtlCol="0" anchor="ctr"/>
+          <a:lstStyle/>
+          <a:p>
+            <a:pPr algn="ctr"/>
+            <a:endParaRPr lang="en-US"/>
           </a:p>
         </p:txBody>
       </p:sp>
@@ -13656,7 +12617,11 @@
           <a:p>
             <a:r>
               <a:rPr lang="en-US" dirty="0" smtClean="0"/>
-              <a:t>Insert Chart  (Pie/Dual Pie/Line)</a:t>
+              <a:t>Insert Chart  (</a:t>
+            </a:r>
+            <a:r>
+              <a:rPr lang="en-US" dirty="0" smtClean="0"/>
+              <a:t>Pie/Bar/Line/Dual)</a:t>
             </a:r>
             <a:endParaRPr lang="en-US" dirty="0"/>
           </a:p>
@@ -13690,7 +12655,7 @@
           <p:nvPr/>
         </p:nvPicPr>
         <p:blipFill>
-          <a:blip r:embed="rId2"/>
+          <a:blip r:embed="rId2" cstate="print"/>
           <a:srcRect/>
           <a:stretch>
             <a:fillRect/>
@@ -13716,13 +12681,13 @@
       </p:pic>
       <p:sp>
         <p:nvSpPr>
-          <p:cNvPr id="11" name="Right Arrow 10"/>
+          <p:cNvPr id="12" name="Right Arrow 11"/>
           <p:cNvSpPr/>
           <p:nvPr/>
         </p:nvSpPr>
         <p:spPr>
-          <a:xfrm>
-            <a:off x="76200" y="2639568"/>
+          <a:xfrm rot="2645740">
+            <a:off x="2286000" y="2895600"/>
             <a:ext cx="978408" cy="484632"/>
           </a:xfrm>
           <a:prstGeom prst="rightArrow">
@@ -13752,7 +12717,7 @@
             <a:pPr algn="ctr"/>
             <a:r>
               <a:rPr lang="en-US" dirty="0" smtClean="0"/>
-              <a:t>1</a:t>
+              <a:t>2</a:t>
             </a:r>
             <a:endParaRPr lang="en-US" dirty="0"/>
           </a:p>
@@ -13760,14 +12725,14 @@
       </p:sp>
       <p:pic>
         <p:nvPicPr>
-          <p:cNvPr id="6" name="Picture 3"/>
+          <p:cNvPr id="4098" name="Picture 2"/>
           <p:cNvPicPr>
             <a:picLocks noChangeAspect="1" noChangeArrowheads="1"/>
           </p:cNvPicPr>
           <p:nvPr/>
         </p:nvPicPr>
         <p:blipFill>
-          <a:blip r:embed="rId3"/>
+          <a:blip r:embed="rId3" cstate="print"/>
           <a:srcRect/>
           <a:stretch>
             <a:fillRect/>
@@ -13775,8 +12740,8 @@
         </p:blipFill>
         <p:spPr bwMode="auto">
           <a:xfrm>
-            <a:off x="2819400" y="3429000"/>
-            <a:ext cx="5600700" cy="2828494"/>
+            <a:off x="953529" y="1676400"/>
+            <a:ext cx="1362075" cy="2019300"/>
           </a:xfrm>
           <a:prstGeom prst="rect">
             <a:avLst/>
@@ -13788,18 +12753,17 @@
             <a:headEnd/>
             <a:tailEnd/>
           </a:ln>
-          <a:effectLst/>
         </p:spPr>
       </p:pic>
       <p:sp>
         <p:nvSpPr>
-          <p:cNvPr id="12" name="Right Arrow 11"/>
+          <p:cNvPr id="11" name="Right Arrow 10"/>
           <p:cNvSpPr/>
           <p:nvPr/>
         </p:nvSpPr>
         <p:spPr>
-          <a:xfrm rot="2645740">
-            <a:off x="2286000" y="2895600"/>
+          <a:xfrm>
+            <a:off x="76200" y="2438400"/>
             <a:ext cx="978408" cy="484632"/>
           </a:xfrm>
           <a:prstGeom prst="rightArrow">
@@ -13829,12 +12793,44 @@
             <a:pPr algn="ctr"/>
             <a:r>
               <a:rPr lang="en-US" dirty="0" smtClean="0"/>
-              <a:t>2</a:t>
-            </a:r>
-            <a:endParaRPr lang="en-US" dirty="0"/>
-          </a:p>
-        </p:txBody>
-      </p:sp>
+              <a:t>1</a:t>
+            </a:r>
+            <a:endParaRPr lang="en-US" dirty="0"/>
+          </a:p>
+        </p:txBody>
+      </p:sp>
+      <p:pic>
+        <p:nvPicPr>
+          <p:cNvPr id="4099" name="Picture 3"/>
+          <p:cNvPicPr>
+            <a:picLocks noChangeAspect="1" noChangeArrowheads="1"/>
+          </p:cNvPicPr>
+          <p:nvPr/>
+        </p:nvPicPr>
+        <p:blipFill>
+          <a:blip r:embed="rId4" cstate="print"/>
+          <a:srcRect/>
+          <a:stretch>
+            <a:fillRect/>
+          </a:stretch>
+        </p:blipFill>
+        <p:spPr bwMode="auto">
+          <a:xfrm>
+            <a:off x="2743200" y="3505200"/>
+            <a:ext cx="5981700" cy="3160282"/>
+          </a:xfrm>
+          <a:prstGeom prst="rect">
+            <a:avLst/>
+          </a:prstGeom>
+          <a:noFill/>
+          <a:ln w="9525">
+            <a:noFill/>
+            <a:miter lim="800000"/>
+            <a:headEnd/>
+            <a:tailEnd/>
+          </a:ln>
+        </p:spPr>
+      </p:pic>
     </p:spTree>
   </p:cSld>
   <p:clrMapOvr>
@@ -13921,7 +12917,7 @@
           <a:p>
             <a:r>
               <a:rPr lang="en-US" dirty="0" smtClean="0"/>
-              <a:t>Insert Contact Card</a:t>
+              <a:t>Format  (Existing) Table</a:t>
             </a:r>
             <a:endParaRPr lang="en-US" dirty="0"/>
           </a:p>
@@ -13936,7 +12932,7 @@
           <p:nvPr/>
         </p:nvPicPr>
         <p:blipFill>
-          <a:blip r:embed="rId2"/>
+          <a:blip r:embed="rId2" cstate="print"/>
           <a:srcRect/>
           <a:stretch>
             <a:fillRect/>
@@ -13944,8 +12940,8 @@
         </p:blipFill>
         <p:spPr bwMode="auto">
           <a:xfrm>
-            <a:off x="381000" y="838200"/>
-            <a:ext cx="2371725" cy="2781300"/>
+            <a:off x="304800" y="838200"/>
+            <a:ext cx="8153400" cy="2165747"/>
           </a:xfrm>
           <a:prstGeom prst="rect">
             <a:avLst/>
@@ -13962,7 +12958,7 @@
       </p:pic>
       <p:sp>
         <p:nvSpPr>
-          <p:cNvPr id="8" name="Content Placeholder 7"/>
+          <p:cNvPr id="9" name="Content Placeholder 8"/>
           <p:cNvSpPr>
             <a:spLocks noGrp="1"/>
           </p:cNvSpPr>
@@ -13984,39 +12980,6 @@
           </a:p>
         </p:txBody>
       </p:sp>
-      <p:pic>
-        <p:nvPicPr>
-          <p:cNvPr id="5" name="Picture 3"/>
-          <p:cNvPicPr>
-            <a:picLocks noChangeAspect="1" noChangeArrowheads="1"/>
-          </p:cNvPicPr>
-          <p:nvPr/>
-        </p:nvPicPr>
-        <p:blipFill>
-          <a:blip r:embed="rId3"/>
-          <a:srcRect/>
-          <a:stretch>
-            <a:fillRect/>
-          </a:stretch>
-        </p:blipFill>
-        <p:spPr bwMode="auto">
-          <a:xfrm>
-            <a:off x="4419600" y="3048000"/>
-            <a:ext cx="3524250" cy="2943225"/>
-          </a:xfrm>
-          <a:prstGeom prst="rect">
-            <a:avLst/>
-          </a:prstGeom>
-          <a:noFill/>
-          <a:ln w="9525">
-            <a:noFill/>
-            <a:miter lim="800000"/>
-            <a:headEnd/>
-            <a:tailEnd/>
-          </a:ln>
-          <a:effectLst/>
-        </p:spPr>
-      </p:pic>
       <p:sp>
         <p:nvSpPr>
           <p:cNvPr id="11" name="Right Arrow 10"/>
@@ -14024,8 +12987,8 @@
           <p:nvPr/>
         </p:nvSpPr>
         <p:spPr>
-          <a:xfrm>
-            <a:off x="76200" y="2258568"/>
+          <a:xfrm flipH="1">
+            <a:off x="1828800" y="1447800"/>
             <a:ext cx="978408" cy="484632"/>
           </a:xfrm>
           <a:prstGeom prst="rightArrow">
@@ -14061,18 +13024,62 @@
           </a:p>
         </p:txBody>
       </p:sp>
-      <p:sp>
-        <p:nvSpPr>
-          <p:cNvPr id="13" name="Right Arrow 12"/>
+      <p:pic>
+        <p:nvPicPr>
+          <p:cNvPr id="5" name="Picture 3"/>
+          <p:cNvPicPr>
+            <a:picLocks noChangeAspect="1" noChangeArrowheads="1"/>
+          </p:cNvPicPr>
+          <p:nvPr/>
+        </p:nvPicPr>
+        <p:blipFill>
+          <a:blip r:embed="rId3" cstate="print"/>
+          <a:srcRect/>
+          <a:stretch>
+            <a:fillRect/>
+          </a:stretch>
+        </p:blipFill>
+        <p:spPr bwMode="auto">
+          <a:xfrm>
+            <a:off x="288548" y="4038598"/>
+            <a:ext cx="8093452" cy="838201"/>
+          </a:xfrm>
+          <a:prstGeom prst="rect">
+            <a:avLst/>
+          </a:prstGeom>
+          <a:ln>
+            <a:prstDash val="sysDash"/>
+            <a:headEnd/>
+            <a:tailEnd/>
+          </a:ln>
+        </p:spPr>
+        <p:style>
+          <a:lnRef idx="2">
+            <a:schemeClr val="accent6"/>
+          </a:lnRef>
+          <a:fillRef idx="1">
+            <a:schemeClr val="lt1"/>
+          </a:fillRef>
+          <a:effectRef idx="0">
+            <a:schemeClr val="accent6"/>
+          </a:effectRef>
+          <a:fontRef idx="minor">
+            <a:schemeClr val="dk1"/>
+          </a:fontRef>
+        </p:style>
+      </p:pic>
+      <p:sp>
+        <p:nvSpPr>
+          <p:cNvPr id="12" name="Down Arrow 11"/>
           <p:cNvSpPr/>
           <p:nvPr/>
         </p:nvSpPr>
         <p:spPr>
           <a:xfrm>
-            <a:off x="4038600" y="5257800"/>
-            <a:ext cx="978408" cy="484632"/>
-          </a:xfrm>
-          <a:prstGeom prst="rightArrow">
+            <a:off x="2819400" y="3048000"/>
+            <a:ext cx="484632" cy="978408"/>
+          </a:xfrm>
+          <a:prstGeom prst="downArrow">
             <a:avLst/>
           </a:prstGeom>
         </p:spPr>
@@ -14097,11 +13104,7 @@
           <a:lstStyle/>
           <a:p>
             <a:pPr algn="ctr"/>
-            <a:r>
-              <a:rPr lang="en-US" dirty="0" smtClean="0"/>
-              <a:t>2</a:t>
-            </a:r>
-            <a:endParaRPr lang="en-US" dirty="0"/>
+            <a:endParaRPr lang="en-US"/>
           </a:p>
         </p:txBody>
       </p:sp>
@@ -14174,14 +13177,12 @@
         </p:nvSpPr>
         <p:spPr/>
         <p:txBody>
-          <a:bodyPr>
-            <a:normAutofit/>
-          </a:bodyPr>
+          <a:bodyPr/>
           <a:lstStyle/>
           <a:p>
             <a:r>
               <a:rPr lang="en-US" dirty="0" smtClean="0"/>
-              <a:t>Insert  Contact Sheet</a:t>
+              <a:t>Embed or Link Excel Selection</a:t>
             </a:r>
             <a:endParaRPr lang="en-US" dirty="0"/>
           </a:p>
@@ -14202,20 +13203,42 @@
           <a:bodyPr/>
           <a:lstStyle/>
           <a:p>
+            <a:r>
+              <a:rPr lang="en-US" dirty="0" smtClean="0"/>
+              <a:t>Step 1 : Open a saved Excel workbook and select a range of cells</a:t>
+            </a:r>
+          </a:p>
+          <a:p>
+            <a:r>
+              <a:rPr lang="en-US" dirty="0" smtClean="0"/>
+              <a:t>Step 2 : Open a Word document and place the cursor in the insertion place</a:t>
+            </a:r>
+          </a:p>
+          <a:p>
+            <a:r>
+              <a:rPr lang="en-US" dirty="0" smtClean="0"/>
+              <a:t>Step 3 : From HC tab, Select Excel Selection &gt; Embed here or Link Here</a:t>
+            </a:r>
+          </a:p>
+          <a:p>
+            <a:r>
+              <a:rPr lang="en-US" dirty="0" smtClean="0"/>
+              <a:t>Step 4 : To Edit the inserted range, select Worksheet Object &gt; Edit or Open</a:t>
+            </a:r>
             <a:endParaRPr lang="en-US" dirty="0"/>
           </a:p>
         </p:txBody>
       </p:sp>
       <p:pic>
         <p:nvPicPr>
-          <p:cNvPr id="5" name="Picture 2"/>
+          <p:cNvPr id="1028" name="Picture 4"/>
           <p:cNvPicPr>
             <a:picLocks noChangeAspect="1" noChangeArrowheads="1"/>
           </p:cNvPicPr>
           <p:nvPr/>
         </p:nvPicPr>
         <p:blipFill>
-          <a:blip r:embed="rId2"/>
+          <a:blip r:embed="rId2" cstate="print"/>
           <a:srcRect/>
           <a:stretch>
             <a:fillRect/>
@@ -14223,8 +13246,8 @@
         </p:blipFill>
         <p:spPr bwMode="auto">
           <a:xfrm>
-            <a:off x="381000" y="647700"/>
-            <a:ext cx="2371725" cy="2781300"/>
+            <a:off x="1447800" y="1600200"/>
+            <a:ext cx="2171700" cy="1990725"/>
           </a:xfrm>
           <a:prstGeom prst="rect">
             <a:avLst/>
@@ -14241,14 +13264,14 @@
       </p:pic>
       <p:pic>
         <p:nvPicPr>
-          <p:cNvPr id="6" name="Picture 3"/>
+          <p:cNvPr id="1029" name="Picture 5"/>
           <p:cNvPicPr>
             <a:picLocks noChangeAspect="1" noChangeArrowheads="1"/>
           </p:cNvPicPr>
           <p:nvPr/>
         </p:nvPicPr>
         <p:blipFill>
-          <a:blip r:embed="rId3"/>
+          <a:blip r:embed="rId3" cstate="print"/>
           <a:srcRect/>
           <a:stretch>
             <a:fillRect/>
@@ -14256,8 +13279,8 @@
         </p:blipFill>
         <p:spPr bwMode="auto">
           <a:xfrm>
-            <a:off x="2667000" y="3124200"/>
-            <a:ext cx="5654261" cy="3048000"/>
+            <a:off x="1447800" y="4343400"/>
+            <a:ext cx="2185655" cy="2043112"/>
           </a:xfrm>
           <a:prstGeom prst="rect">
             <a:avLst/>
@@ -14272,15 +13295,48 @@
           <a:effectLst/>
         </p:spPr>
       </p:pic>
-      <p:sp>
-        <p:nvSpPr>
-          <p:cNvPr id="10" name="Right Arrow 9"/>
+      <p:pic>
+        <p:nvPicPr>
+          <p:cNvPr id="1030" name="Picture 6"/>
+          <p:cNvPicPr>
+            <a:picLocks noChangeAspect="1" noChangeArrowheads="1"/>
+          </p:cNvPicPr>
+          <p:nvPr/>
+        </p:nvPicPr>
+        <p:blipFill>
+          <a:blip r:embed="rId4" cstate="print"/>
+          <a:srcRect/>
+          <a:stretch>
+            <a:fillRect/>
+          </a:stretch>
+        </p:blipFill>
+        <p:spPr bwMode="auto">
+          <a:xfrm>
+            <a:off x="4648200" y="1524000"/>
+            <a:ext cx="3697488" cy="4467225"/>
+          </a:xfrm>
+          <a:prstGeom prst="rect">
+            <a:avLst/>
+          </a:prstGeom>
+          <a:noFill/>
+          <a:ln w="9525">
+            <a:noFill/>
+            <a:miter lim="800000"/>
+            <a:headEnd/>
+            <a:tailEnd/>
+          </a:ln>
+          <a:effectLst/>
+        </p:spPr>
+      </p:pic>
+      <p:sp>
+        <p:nvSpPr>
+          <p:cNvPr id="19" name="Right Arrow 18"/>
           <p:cNvSpPr/>
           <p:nvPr/>
         </p:nvSpPr>
         <p:spPr>
           <a:xfrm>
-            <a:off x="152400" y="2258568"/>
+            <a:off x="1219200" y="3124200"/>
             <a:ext cx="978408" cy="484632"/>
           </a:xfrm>
           <a:prstGeom prst="rightArrow">
@@ -14318,13 +13374,13 @@
       </p:sp>
       <p:sp>
         <p:nvSpPr>
-          <p:cNvPr id="11" name="Right Arrow 10"/>
+          <p:cNvPr id="20" name="Right Arrow 19"/>
           <p:cNvSpPr/>
           <p:nvPr/>
         </p:nvSpPr>
         <p:spPr>
           <a:xfrm>
-            <a:off x="1828800" y="4800600"/>
+            <a:off x="1524000" y="5029200"/>
             <a:ext cx="978408" cy="484632"/>
           </a:xfrm>
           <a:prstGeom prst="rightArrow">
@@ -14354,43 +13410,41 @@
             <a:pPr algn="ctr"/>
             <a:r>
               <a:rPr lang="en-US" dirty="0" smtClean="0"/>
-              <a:t>2</a:t>
-            </a:r>
-            <a:endParaRPr lang="en-US" dirty="0"/>
-          </a:p>
-        </p:txBody>
-      </p:sp>
-      <p:sp>
-        <p:nvSpPr>
-          <p:cNvPr id="12" name="Rectangle 11"/>
+              <a:t>3</a:t>
+            </a:r>
+            <a:endParaRPr lang="en-US" dirty="0"/>
+          </a:p>
+        </p:txBody>
+      </p:sp>
+      <p:sp>
+        <p:nvSpPr>
+          <p:cNvPr id="21" name="Right Arrow 20"/>
           <p:cNvSpPr/>
           <p:nvPr/>
         </p:nvSpPr>
         <p:spPr>
           <a:xfrm>
-            <a:off x="2895600" y="3810000"/>
-            <a:ext cx="5105400" cy="2362200"/>
-          </a:xfrm>
-          <a:prstGeom prst="rect">
+            <a:off x="5105400" y="4876800"/>
+            <a:ext cx="978408" cy="484632"/>
+          </a:xfrm>
+          <a:prstGeom prst="rightArrow">
             <a:avLst/>
           </a:prstGeom>
-          <a:noFill/>
-          <a:ln>
-            <a:prstDash val="sysDot"/>
-          </a:ln>
         </p:spPr>
         <p:style>
           <a:lnRef idx="2">
-            <a:schemeClr val="accent6"/>
+            <a:schemeClr val="accent1">
+              <a:shade val="50000"/>
+            </a:schemeClr>
           </a:lnRef>
           <a:fillRef idx="1">
-            <a:schemeClr val="lt1"/>
+            <a:schemeClr val="accent1"/>
           </a:fillRef>
           <a:effectRef idx="0">
-            <a:schemeClr val="accent6"/>
+            <a:schemeClr val="accent1"/>
           </a:effectRef>
           <a:fontRef idx="minor">
-            <a:schemeClr val="dk1"/>
+            <a:schemeClr val="lt1"/>
           </a:fontRef>
         </p:style>
         <p:txBody>
@@ -14398,7 +13452,55 @@
           <a:lstStyle/>
           <a:p>
             <a:pPr algn="ctr"/>
-            <a:endParaRPr lang="en-US"/>
+            <a:r>
+              <a:rPr lang="en-US" dirty="0" smtClean="0"/>
+              <a:t>4</a:t>
+            </a:r>
+            <a:endParaRPr lang="en-US" dirty="0"/>
+          </a:p>
+        </p:txBody>
+      </p:sp>
+      <p:sp>
+        <p:nvSpPr>
+          <p:cNvPr id="22" name="Right Arrow 21"/>
+          <p:cNvSpPr/>
+          <p:nvPr/>
+        </p:nvSpPr>
+        <p:spPr>
+          <a:xfrm>
+            <a:off x="457200" y="4191000"/>
+            <a:ext cx="978408" cy="484632"/>
+          </a:xfrm>
+          <a:prstGeom prst="rightArrow">
+            <a:avLst/>
+          </a:prstGeom>
+        </p:spPr>
+        <p:style>
+          <a:lnRef idx="2">
+            <a:schemeClr val="accent1">
+              <a:shade val="50000"/>
+            </a:schemeClr>
+          </a:lnRef>
+          <a:fillRef idx="1">
+            <a:schemeClr val="accent1"/>
+          </a:fillRef>
+          <a:effectRef idx="0">
+            <a:schemeClr val="accent1"/>
+          </a:effectRef>
+          <a:fontRef idx="minor">
+            <a:schemeClr val="lt1"/>
+          </a:fontRef>
+        </p:style>
+        <p:txBody>
+          <a:bodyPr rtlCol="0" anchor="ctr"/>
+          <a:lstStyle/>
+          <a:p>
+            <a:pPr algn="ctr"/>
+            <a:r>
+              <a:rPr lang="en-US" dirty="0" smtClean="0"/>
+              <a:t>2</a:t>
+            </a:r>
+            <a:endParaRPr lang="en-US" dirty="0"/>
           </a:p>
         </p:txBody>
       </p:sp>

--- a/Branches/2.0/doc/iResearch User Guide.pptx
+++ b/Branches/2.0/doc/iResearch User Guide.pptx
@@ -201,7 +201,7 @@
             <a:fld id="{31555DB1-8736-42A3-B48D-2B08FB93332A}" type="datetimeFigureOut">
               <a:rPr lang="en-US" smtClean="0"/>
               <a:pPr/>
-              <a:t>10/5/2010</a:t>
+              <a:t>10/12/2010</a:t>
             </a:fld>
             <a:endParaRPr lang="en-US"/>
           </a:p>
@@ -355,7 +355,7 @@
             <a:fld id="{0BDB199F-A56C-4049-BA04-1447030960FF}" type="datetimeFigureOut">
               <a:rPr lang="en-US" smtClean="0"/>
               <a:pPr/>
-              <a:t>10/5/2010</a:t>
+              <a:t>10/12/2010</a:t>
             </a:fld>
             <a:endParaRPr lang="en-US"/>
           </a:p>
@@ -1262,7 +1262,7 @@
             <a:fld id="{5A8D346D-A53F-433C-9D37-45A337EA482C}" type="datetime1">
               <a:rPr lang="en-US" smtClean="0"/>
               <a:pPr/>
-              <a:t>10/5/2010</a:t>
+              <a:t>10/12/2010</a:t>
             </a:fld>
             <a:endParaRPr lang="en-US" dirty="0"/>
           </a:p>
@@ -1692,7 +1692,7 @@
             <a:fld id="{FEC9D3F2-7140-49B9-866C-D21246A5836E}" type="datetime1">
               <a:rPr lang="en-US" smtClean="0"/>
               <a:pPr algn="r"/>
-              <a:t>10/5/2010</a:t>
+              <a:t>10/12/2010</a:t>
             </a:fld>
             <a:endParaRPr lang="en-US"/>
           </a:p>
@@ -2225,7 +2225,7 @@
             <a:fld id="{CBEC585F-C108-48D6-9331-6628A0FBB73B}" type="datetime1">
               <a:rPr lang="en-US" smtClean="0"/>
               <a:pPr algn="r"/>
-              <a:t>10/5/2010</a:t>
+              <a:t>10/12/2010</a:t>
             </a:fld>
             <a:endParaRPr lang="en-US"/>
           </a:p>
@@ -2758,7 +2758,7 @@
             <a:fld id="{7293A964-5F5E-47DC-ABD9-08A6A9FFD04F}" type="datetime1">
               <a:rPr lang="en-US" smtClean="0"/>
               <a:pPr algn="r"/>
-              <a:t>10/5/2010</a:t>
+              <a:t>10/12/2010</a:t>
             </a:fld>
             <a:endParaRPr lang="en-US"/>
           </a:p>
@@ -3291,7 +3291,7 @@
             <a:fld id="{968C9C2A-D3B8-4543-8A47-F59C20C16D9A}" type="datetime1">
               <a:rPr lang="en-US" smtClean="0"/>
               <a:pPr algn="r"/>
-              <a:t>10/5/2010</a:t>
+              <a:t>10/12/2010</a:t>
             </a:fld>
             <a:endParaRPr lang="en-US" dirty="0"/>
           </a:p>
@@ -3926,7 +3926,7 @@
             <a:fld id="{29ED4C97-3C5D-482A-99AD-AD992C3024DE}" type="datetime1">
               <a:rPr lang="en-US" smtClean="0"/>
               <a:pPr algn="r"/>
-              <a:t>10/5/2010</a:t>
+              <a:t>10/12/2010</a:t>
             </a:fld>
             <a:endParaRPr lang="en-US"/>
           </a:p>
@@ -4561,7 +4561,7 @@
             <a:fld id="{3EF8FEE9-63ED-4C1B-8C25-9B47C2DA1E72}" type="datetime1">
               <a:rPr lang="en-US" smtClean="0"/>
               <a:pPr algn="r"/>
-              <a:t>10/5/2010</a:t>
+              <a:t>10/12/2010</a:t>
             </a:fld>
             <a:endParaRPr lang="en-US"/>
           </a:p>
@@ -5829,7 +5829,7 @@
             <a:fld id="{E8BD303E-7304-41BE-B693-A76D7275A3B0}" type="datetime1">
               <a:rPr lang="en-US" smtClean="0"/>
               <a:pPr algn="r"/>
-              <a:t>10/5/2010</a:t>
+              <a:t>10/12/2010</a:t>
             </a:fld>
             <a:endParaRPr lang="en-US"/>
           </a:p>
@@ -7077,7 +7077,7 @@
             <a:fld id="{F17F374F-8F2E-42FC-B8C0-8EDFCA32CD96}" type="datetime1">
               <a:rPr lang="en-US" sz="1100" smtClean="0"/>
               <a:pPr algn="r"/>
-              <a:t>10/5/2010</a:t>
+              <a:t>10/12/2010</a:t>
             </a:fld>
             <a:endParaRPr lang="en-US" sz="1100"/>
           </a:p>
@@ -7276,7 +7276,7 @@
             <a:fld id="{5A8D346D-A53F-433C-9D37-45A337EA482C}" type="datetime1">
               <a:rPr lang="en-US" smtClean="0"/>
               <a:pPr/>
-              <a:t>10/5/2010</a:t>
+              <a:t>10/12/2010</a:t>
             </a:fld>
             <a:endParaRPr lang="en-US" dirty="0"/>
           </a:p>
@@ -7512,7 +7512,7 @@
             <a:fld id="{F7F1F872-C5DE-403B-85F0-1024E6CA1886}" type="datetime1">
               <a:rPr lang="en-US" smtClean="0"/>
               <a:pPr algn="r"/>
-              <a:t>10/5/2010</a:t>
+              <a:t>10/12/2010</a:t>
             </a:fld>
             <a:endParaRPr lang="en-US"/>
           </a:p>
@@ -7637,7 +7637,7 @@
             <a:fld id="{73B9D0E9-7F95-4423-9114-95494EF8154E}" type="datetime1">
               <a:rPr lang="en-US" smtClean="0"/>
               <a:pPr algn="r"/>
-              <a:t>10/5/2010</a:t>
+              <a:t>10/12/2010</a:t>
             </a:fld>
             <a:endParaRPr lang="en-US"/>
           </a:p>
@@ -7866,7 +7866,7 @@
             <a:fld id="{828FD173-2CB3-4214-8741-970D8D476901}" type="datetime1">
               <a:rPr lang="en-US" smtClean="0"/>
               <a:pPr algn="r"/>
-              <a:t>10/5/2010</a:t>
+              <a:t>10/12/2010</a:t>
             </a:fld>
             <a:endParaRPr lang="en-US"/>
           </a:p>
@@ -8195,7 +8195,7 @@
             <a:fld id="{A1704A40-8D3B-4404-9986-2B5D36474D63}" type="datetime1">
               <a:rPr lang="en-US" smtClean="0"/>
               <a:pPr algn="r"/>
-              <a:t>10/5/2010</a:t>
+              <a:t>10/12/2010</a:t>
             </a:fld>
             <a:endParaRPr lang="en-US"/>
           </a:p>
@@ -8626,7 +8626,7 @@
             <a:fld id="{DE3B91AD-F2C9-43CB-A84C-1D5C130F2509}" type="datetime1">
               <a:rPr lang="en-US" smtClean="0"/>
               <a:pPr algn="r"/>
-              <a:t>10/5/2010</a:t>
+              <a:t>10/12/2010</a:t>
             </a:fld>
             <a:endParaRPr lang="en-US"/>
           </a:p>
@@ -9057,7 +9057,7 @@
             <a:fld id="{27D93220-918A-400D-B3FA-D8B22567DEBB}" type="datetime1">
               <a:rPr lang="en-US" smtClean="0"/>
               <a:pPr algn="r"/>
-              <a:t>10/5/2010</a:t>
+              <a:t>10/12/2010</a:t>
             </a:fld>
             <a:endParaRPr lang="en-US"/>
           </a:p>
@@ -9325,7 +9325,7 @@
             <a:fld id="{CCD717AA-EA39-47F3-8A0A-15B3575EDB53}" type="datetime1">
               <a:rPr lang="en-US" smtClean="0"/>
               <a:pPr algn="r"/>
-              <a:t>10/5/2010</a:t>
+              <a:t>10/12/2010</a:t>
             </a:fld>
             <a:endParaRPr lang="en-US" sz="1000" dirty="0">
               <a:solidFill>
@@ -9798,11 +9798,7 @@
           <a:p>
             <a:r>
               <a:rPr lang="en-US" dirty="0" smtClean="0"/>
-              <a:t>Last update ( </a:t>
-            </a:r>
-            <a:r>
-              <a:rPr lang="en-US" dirty="0" smtClean="0"/>
-              <a:t>7-10-2010)</a:t>
+              <a:t>Last update ( 7-10-2010)</a:t>
             </a:r>
             <a:endParaRPr lang="en-US" dirty="0"/>
           </a:p>
@@ -10310,7 +10306,7 @@
       </p:sp>
       <p:pic>
         <p:nvPicPr>
-          <p:cNvPr id="3074" name="Picture 2"/>
+          <p:cNvPr id="3075" name="Picture 3"/>
           <p:cNvPicPr>
             <a:picLocks noChangeAspect="1" noChangeArrowheads="1"/>
           </p:cNvPicPr>
@@ -10325,8 +10321,8 @@
         </p:blipFill>
         <p:spPr bwMode="auto">
           <a:xfrm>
-            <a:off x="5334000" y="685800"/>
-            <a:ext cx="3057525" cy="2508016"/>
+            <a:off x="457200" y="3276600"/>
+            <a:ext cx="1981200" cy="2000250"/>
           </a:xfrm>
           <a:prstGeom prst="rect">
             <a:avLst/>
@@ -10341,89 +10337,21 @@
           <a:effectLst/>
         </p:spPr>
       </p:pic>
-      <p:pic>
-        <p:nvPicPr>
-          <p:cNvPr id="3075" name="Picture 3"/>
-          <p:cNvPicPr>
-            <a:picLocks noChangeAspect="1" noChangeArrowheads="1"/>
-          </p:cNvPicPr>
+      <p:sp>
+        <p:nvSpPr>
+          <p:cNvPr id="8" name="TextBox 7"/>
+          <p:cNvSpPr txBox="1"/>
           <p:nvPr/>
-        </p:nvPicPr>
-        <p:blipFill>
-          <a:blip r:embed="rId3" cstate="print"/>
-          <a:srcRect/>
-          <a:stretch>
-            <a:fillRect/>
-          </a:stretch>
-        </p:blipFill>
-        <p:spPr bwMode="auto">
-          <a:xfrm>
-            <a:off x="457200" y="3276600"/>
-            <a:ext cx="1981200" cy="2000250"/>
+        </p:nvSpPr>
+        <p:spPr>
+          <a:xfrm>
+            <a:off x="381000" y="914400"/>
+            <a:ext cx="4724400" cy="2308324"/>
           </a:xfrm>
           <a:prstGeom prst="rect">
             <a:avLst/>
           </a:prstGeom>
           <a:noFill/>
-          <a:ln w="9525">
-            <a:noFill/>
-            <a:miter lim="800000"/>
-            <a:headEnd/>
-            <a:tailEnd/>
-          </a:ln>
-          <a:effectLst/>
-        </p:spPr>
-      </p:pic>
-      <p:pic>
-        <p:nvPicPr>
-          <p:cNvPr id="3076" name="Picture 4"/>
-          <p:cNvPicPr>
-            <a:picLocks noGrp="1" noChangeAspect="1" noChangeArrowheads="1"/>
-          </p:cNvPicPr>
-          <p:nvPr>
-            <p:ph sz="quarter" idx="15"/>
-          </p:nvPr>
-        </p:nvPicPr>
-        <p:blipFill>
-          <a:blip r:embed="rId4" cstate="print"/>
-          <a:srcRect/>
-          <a:stretch>
-            <a:fillRect/>
-          </a:stretch>
-        </p:blipFill>
-        <p:spPr bwMode="auto">
-          <a:xfrm>
-            <a:off x="3581400" y="3276600"/>
-            <a:ext cx="4852988" cy="3306976"/>
-          </a:xfrm>
-          <a:prstGeom prst="rect">
-            <a:avLst/>
-          </a:prstGeom>
-          <a:noFill/>
-          <a:ln w="9525">
-            <a:noFill/>
-            <a:miter lim="800000"/>
-            <a:headEnd/>
-            <a:tailEnd/>
-          </a:ln>
-          <a:effectLst/>
-        </p:spPr>
-      </p:pic>
-      <p:sp>
-        <p:nvSpPr>
-          <p:cNvPr id="8" name="TextBox 7"/>
-          <p:cNvSpPr txBox="1"/>
-          <p:nvPr/>
-        </p:nvSpPr>
-        <p:spPr>
-          <a:xfrm>
-            <a:off x="381000" y="914400"/>
-            <a:ext cx="4724400" cy="2308324"/>
-          </a:xfrm>
-          <a:prstGeom prst="rect">
-            <a:avLst/>
-          </a:prstGeom>
-          <a:noFill/>
         </p:spPr>
         <p:txBody>
           <a:bodyPr wrap="square" rtlCol="0">
@@ -10493,13 +10421,13 @@
       </p:sp>
       <p:sp>
         <p:nvSpPr>
-          <p:cNvPr id="9" name="Right Arrow 8"/>
+          <p:cNvPr id="10" name="Right Arrow 9"/>
           <p:cNvSpPr/>
           <p:nvPr/>
         </p:nvSpPr>
         <p:spPr>
           <a:xfrm>
-            <a:off x="4953000" y="2438400"/>
+            <a:off x="0" y="4419600"/>
             <a:ext cx="978408" cy="484632"/>
           </a:xfrm>
           <a:prstGeom prst="rightArrow">
@@ -10529,21 +10457,53 @@
             <a:pPr algn="ctr"/>
             <a:r>
               <a:rPr lang="en-US" dirty="0" smtClean="0"/>
-              <a:t>1</a:t>
-            </a:r>
-            <a:endParaRPr lang="en-US" dirty="0"/>
-          </a:p>
-        </p:txBody>
-      </p:sp>
-      <p:sp>
-        <p:nvSpPr>
-          <p:cNvPr id="10" name="Right Arrow 9"/>
+              <a:t>2</a:t>
+            </a:r>
+            <a:endParaRPr lang="en-US" dirty="0"/>
+          </a:p>
+        </p:txBody>
+      </p:sp>
+      <p:pic>
+        <p:nvPicPr>
+          <p:cNvPr id="2050" name="Picture 2"/>
+          <p:cNvPicPr>
+            <a:picLocks noChangeAspect="1" noChangeArrowheads="1"/>
+          </p:cNvPicPr>
+          <p:nvPr/>
+        </p:nvPicPr>
+        <p:blipFill>
+          <a:blip r:embed="rId3" cstate="print"/>
+          <a:srcRect/>
+          <a:stretch>
+            <a:fillRect/>
+          </a:stretch>
+        </p:blipFill>
+        <p:spPr bwMode="auto">
+          <a:xfrm>
+            <a:off x="5410200" y="685800"/>
+            <a:ext cx="2971800" cy="2448081"/>
+          </a:xfrm>
+          <a:prstGeom prst="rect">
+            <a:avLst/>
+          </a:prstGeom>
+          <a:noFill/>
+          <a:ln w="9525">
+            <a:noFill/>
+            <a:miter lim="800000"/>
+            <a:headEnd/>
+            <a:tailEnd/>
+          </a:ln>
+        </p:spPr>
+      </p:pic>
+      <p:sp>
+        <p:nvSpPr>
+          <p:cNvPr id="9" name="Right Arrow 8"/>
           <p:cNvSpPr/>
           <p:nvPr/>
         </p:nvSpPr>
         <p:spPr>
           <a:xfrm>
-            <a:off x="0" y="4419600"/>
+            <a:off x="4953000" y="2438400"/>
             <a:ext cx="978408" cy="484632"/>
           </a:xfrm>
           <a:prstGeom prst="rightArrow">
@@ -10573,12 +10533,46 @@
             <a:pPr algn="ctr"/>
             <a:r>
               <a:rPr lang="en-US" dirty="0" smtClean="0"/>
-              <a:t>2</a:t>
-            </a:r>
-            <a:endParaRPr lang="en-US" dirty="0"/>
-          </a:p>
-        </p:txBody>
-      </p:sp>
+              <a:t>1</a:t>
+            </a:r>
+            <a:endParaRPr lang="en-US" dirty="0"/>
+          </a:p>
+        </p:txBody>
+      </p:sp>
+      <p:pic>
+        <p:nvPicPr>
+          <p:cNvPr id="2051" name="Picture 3"/>
+          <p:cNvPicPr>
+            <a:picLocks noGrp="1" noChangeAspect="1" noChangeArrowheads="1"/>
+          </p:cNvPicPr>
+          <p:nvPr>
+            <p:ph sz="quarter" idx="15"/>
+          </p:nvPr>
+        </p:nvPicPr>
+        <p:blipFill>
+          <a:blip r:embed="rId4" cstate="print"/>
+          <a:srcRect/>
+          <a:stretch>
+            <a:fillRect/>
+          </a:stretch>
+        </p:blipFill>
+        <p:spPr bwMode="auto">
+          <a:xfrm>
+            <a:off x="4572000" y="3352800"/>
+            <a:ext cx="3818347" cy="3306763"/>
+          </a:xfrm>
+          <a:prstGeom prst="rect">
+            <a:avLst/>
+          </a:prstGeom>
+          <a:noFill/>
+          <a:ln w="9525">
+            <a:noFill/>
+            <a:miter lim="800000"/>
+            <a:headEnd/>
+            <a:tailEnd/>
+          </a:ln>
+        </p:spPr>
+      </p:pic>
       <p:sp>
         <p:nvSpPr>
           <p:cNvPr id="11" name="Right Arrow 10"/>
@@ -10587,7 +10581,7 @@
         </p:nvSpPr>
         <p:spPr>
           <a:xfrm>
-            <a:off x="3657600" y="6096000"/>
+            <a:off x="4507992" y="6096000"/>
             <a:ext cx="978408" cy="484632"/>
           </a:xfrm>
           <a:prstGeom prst="rightArrow">
@@ -10690,7 +10684,7 @@
         </p:nvGraphicFramePr>
         <p:xfrm>
           <a:off x="304800" y="457196"/>
-          <a:ext cx="8153399" cy="5753141"/>
+          <a:ext cx="8153399" cy="4495718"/>
         </p:xfrm>
         <a:graphic>
           <a:graphicData uri="http://schemas.openxmlformats.org/drawingml/2006/table">
@@ -10756,10 +10750,6 @@
                     <a:bodyPr/>
                     <a:lstStyle/>
                     <a:p>
-                      <a:r>
-                        <a:rPr lang="en-US" sz="1400" dirty="0" smtClean="0"/>
-                        <a:t>4</a:t>
-                      </a:r>
                       <a:endParaRPr lang="en-US" sz="1400" dirty="0"/>
                     </a:p>
                   </a:txBody>
@@ -10782,7 +10772,11 @@
                     <a:p>
                       <a:r>
                         <a:rPr lang="en-US" sz="1400" dirty="0" smtClean="0"/>
-                        <a:t>Insert Paragraph </a:t>
+                        <a:t>Insert </a:t>
+                      </a:r>
+                      <a:r>
+                        <a:rPr lang="en-US" sz="1400" dirty="0" smtClean="0"/>
+                        <a:t>Text</a:t>
                       </a:r>
                       <a:endParaRPr lang="en-US" sz="1400" dirty="0"/>
                     </a:p>
@@ -10802,10 +10796,6 @@
                     <a:bodyPr/>
                     <a:lstStyle/>
                     <a:p>
-                      <a:r>
-                        <a:rPr lang="en-US" sz="1400" dirty="0" smtClean="0"/>
-                        <a:t>5</a:t>
-                      </a:r>
                       <a:endParaRPr lang="en-US" sz="1400" dirty="0"/>
                     </a:p>
                   </a:txBody>
@@ -10848,10 +10838,6 @@
                     <a:bodyPr/>
                     <a:lstStyle/>
                     <a:p>
-                      <a:r>
-                        <a:rPr lang="en-US" sz="1400" dirty="0" smtClean="0"/>
-                        <a:t>6</a:t>
-                      </a:r>
                       <a:endParaRPr lang="en-US" sz="1400" dirty="0"/>
                     </a:p>
                   </a:txBody>
@@ -10894,169 +10880,6 @@
                     <a:bodyPr/>
                     <a:lstStyle/>
                     <a:p>
-                      <a:r>
-                        <a:rPr lang="en-US" sz="1400" dirty="0" smtClean="0"/>
-                        <a:t>7</a:t>
-                      </a:r>
-                      <a:endParaRPr lang="en-US" sz="1400" dirty="0"/>
-                    </a:p>
-                  </a:txBody>
-                  <a:tcPr>
-                    <a:lnL w="12700" cap="flat" cmpd="sng" algn="ctr">
-                      <a:noFill/>
-                      <a:prstDash val="solid"/>
-                      <a:round/>
-                      <a:headEnd type="none" w="med" len="med"/>
-                      <a:tailEnd type="none" w="med" len="med"/>
-                    </a:lnL>
-                  </a:tcPr>
-                </a:tc>
-              </a:tr>
-              <a:tr h="419141">
-                <a:tc>
-                  <a:txBody>
-                    <a:bodyPr/>
-                    <a:lstStyle/>
-                    <a:p>
-                      <a:r>
-                        <a:rPr lang="en-US" sz="1400" dirty="0" smtClean="0"/>
-                        <a:t>Insert Contact Card</a:t>
-                      </a:r>
-                      <a:endParaRPr lang="en-US" sz="1400" dirty="0"/>
-                    </a:p>
-                  </a:txBody>
-                  <a:tcPr>
-                    <a:lnR w="12700" cap="flat" cmpd="sng" algn="ctr">
-                      <a:noFill/>
-                      <a:prstDash val="solid"/>
-                      <a:round/>
-                      <a:headEnd type="none" w="med" len="med"/>
-                      <a:tailEnd type="none" w="med" len="med"/>
-                    </a:lnR>
-                  </a:tcPr>
-                </a:tc>
-                <a:tc>
-                  <a:txBody>
-                    <a:bodyPr/>
-                    <a:lstStyle/>
-                    <a:p>
-                      <a:pPr marL="0" marR="0" indent="0" algn="l" defTabSz="914400" rtl="0" eaLnBrk="1" fontAlgn="auto" latinLnBrk="0" hangingPunct="1">
-                        <a:lnSpc>
-                          <a:spcPct val="100000"/>
-                        </a:lnSpc>
-                        <a:spcBef>
-                          <a:spcPts val="0"/>
-                        </a:spcBef>
-                        <a:spcAft>
-                          <a:spcPts val="0"/>
-                        </a:spcAft>
-                        <a:buClrTx/>
-                        <a:buSzTx/>
-                        <a:buFontTx/>
-                        <a:buNone/>
-                        <a:tabLst/>
-                        <a:defRPr/>
-                      </a:pPr>
-                      <a:r>
-                        <a:rPr lang="en-US" sz="1400" dirty="0" smtClean="0"/>
-                        <a:t>8 </a:t>
-                      </a:r>
-                      <a:endParaRPr lang="en-US" sz="1400" dirty="0"/>
-                    </a:p>
-                  </a:txBody>
-                  <a:tcPr>
-                    <a:lnL w="12700" cap="flat" cmpd="sng" algn="ctr">
-                      <a:noFill/>
-                      <a:prstDash val="solid"/>
-                      <a:round/>
-                      <a:headEnd type="none" w="med" len="med"/>
-                      <a:tailEnd type="none" w="med" len="med"/>
-                    </a:lnL>
-                  </a:tcPr>
-                </a:tc>
-              </a:tr>
-              <a:tr h="419141">
-                <a:tc>
-                  <a:txBody>
-                    <a:bodyPr/>
-                    <a:lstStyle/>
-                    <a:p>
-                      <a:r>
-                        <a:rPr lang="en-US" sz="1400" dirty="0" smtClean="0"/>
-                        <a:t>Insert  Contact Sheet       </a:t>
-                      </a:r>
-                      <a:endParaRPr lang="en-US" sz="1400" dirty="0"/>
-                    </a:p>
-                  </a:txBody>
-                  <a:tcPr>
-                    <a:lnR w="12700" cap="flat" cmpd="sng" algn="ctr">
-                      <a:noFill/>
-                      <a:prstDash val="solid"/>
-                      <a:round/>
-                      <a:headEnd type="none" w="med" len="med"/>
-                      <a:tailEnd type="none" w="med" len="med"/>
-                    </a:lnR>
-                  </a:tcPr>
-                </a:tc>
-                <a:tc>
-                  <a:txBody>
-                    <a:bodyPr/>
-                    <a:lstStyle/>
-                    <a:p>
-                      <a:r>
-                        <a:rPr lang="en-US" sz="1400" dirty="0" smtClean="0"/>
-                        <a:t>9</a:t>
-                      </a:r>
-                      <a:endParaRPr lang="en-US" sz="1400" dirty="0"/>
-                    </a:p>
-                  </a:txBody>
-                  <a:tcPr>
-                    <a:lnL w="12700" cap="flat" cmpd="sng" algn="ctr">
-                      <a:noFill/>
-                      <a:prstDash val="solid"/>
-                      <a:round/>
-                      <a:headEnd type="none" w="med" len="med"/>
-                      <a:tailEnd type="none" w="med" len="med"/>
-                    </a:lnL>
-                  </a:tcPr>
-                </a:tc>
-              </a:tr>
-              <a:tr h="419141">
-                <a:tc>
-                  <a:txBody>
-                    <a:bodyPr/>
-                    <a:lstStyle/>
-                    <a:p>
-                      <a:r>
-                        <a:rPr lang="en-US" sz="1400" dirty="0" smtClean="0"/>
-                        <a:t>Insert (</a:t>
-                      </a:r>
-                      <a:r>
-                        <a:rPr lang="en-US" sz="1400" baseline="0" dirty="0" smtClean="0"/>
-                        <a:t> 1 or 2 ) Chart Place Holder</a:t>
-                      </a:r>
-                      <a:endParaRPr lang="en-US" sz="1400" dirty="0"/>
-                    </a:p>
-                  </a:txBody>
-                  <a:tcPr>
-                    <a:lnR w="12700" cap="flat" cmpd="sng" algn="ctr">
-                      <a:noFill/>
-                      <a:prstDash val="solid"/>
-                      <a:round/>
-                      <a:headEnd type="none" w="med" len="med"/>
-                      <a:tailEnd type="none" w="med" len="med"/>
-                    </a:lnR>
-                  </a:tcPr>
-                </a:tc>
-                <a:tc>
-                  <a:txBody>
-                    <a:bodyPr/>
-                    <a:lstStyle/>
-                    <a:p>
-                      <a:r>
-                        <a:rPr lang="en-US" sz="1400" dirty="0" smtClean="0"/>
-                        <a:t>10</a:t>
-                      </a:r>
                       <a:endParaRPr lang="en-US" sz="1400" dirty="0"/>
                     </a:p>
                   </a:txBody>
@@ -11099,10 +10922,6 @@
                     <a:bodyPr/>
                     <a:lstStyle/>
                     <a:p>
-                      <a:r>
-                        <a:rPr lang="en-US" sz="1400" dirty="0" smtClean="0"/>
-                        <a:t>11</a:t>
-                      </a:r>
                       <a:endParaRPr lang="en-US" sz="1400" dirty="0"/>
                     </a:p>
                   </a:txBody>
@@ -11145,10 +10964,6 @@
                     <a:bodyPr/>
                     <a:lstStyle/>
                     <a:p>
-                      <a:r>
-                        <a:rPr lang="en-US" sz="1400" dirty="0" smtClean="0"/>
-                        <a:t>12</a:t>
-                      </a:r>
                       <a:endParaRPr lang="en-US" sz="1400" dirty="0"/>
                     </a:p>
                   </a:txBody>
@@ -11225,10 +11040,6 @@
                     <a:bodyPr/>
                     <a:lstStyle/>
                     <a:p>
-                      <a:r>
-                        <a:rPr lang="en-US" sz="1400" dirty="0" smtClean="0"/>
-                        <a:t>14</a:t>
-                      </a:r>
                       <a:endParaRPr lang="en-US" sz="1400" dirty="0"/>
                     </a:p>
                   </a:txBody>
@@ -11279,10 +11090,6 @@
                     <a:bodyPr/>
                     <a:lstStyle/>
                     <a:p>
-                      <a:r>
-                        <a:rPr lang="en-US" sz="1400" dirty="0" smtClean="0"/>
-                        <a:t>15</a:t>
-                      </a:r>
                       <a:endParaRPr lang="en-US" sz="1400" dirty="0"/>
                     </a:p>
                   </a:txBody>
@@ -11916,7 +11723,11 @@
           <a:p>
             <a:r>
               <a:rPr lang="en-US" dirty="0" smtClean="0"/>
-              <a:t>Insert Paragraph</a:t>
+              <a:t>Insert </a:t>
+            </a:r>
+            <a:r>
+              <a:rPr lang="en-US" dirty="0" smtClean="0"/>
+              <a:t>Text</a:t>
             </a:r>
             <a:endParaRPr lang="en-US" dirty="0"/>
           </a:p>
@@ -12617,11 +12428,7 @@
           <a:p>
             <a:r>
               <a:rPr lang="en-US" dirty="0" smtClean="0"/>
-              <a:t>Insert Chart  (</a:t>
-            </a:r>
-            <a:r>
-              <a:rPr lang="en-US" dirty="0" smtClean="0"/>
-              <a:t>Pie/Bar/Line/Dual)</a:t>
+              <a:t>Insert Chart  (Pie/Bar/Line/Dual)</a:t>
             </a:r>
             <a:endParaRPr lang="en-US" dirty="0"/>
           </a:p>
@@ -12923,75 +12730,18 @@
           </a:p>
         </p:txBody>
       </p:sp>
-      <p:pic>
-        <p:nvPicPr>
-          <p:cNvPr id="4" name="Picture 2"/>
-          <p:cNvPicPr>
-            <a:picLocks noChangeAspect="1" noChangeArrowheads="1"/>
-          </p:cNvPicPr>
-          <p:nvPr/>
-        </p:nvPicPr>
-        <p:blipFill>
-          <a:blip r:embed="rId2" cstate="print"/>
-          <a:srcRect/>
-          <a:stretch>
-            <a:fillRect/>
-          </a:stretch>
-        </p:blipFill>
-        <p:spPr bwMode="auto">
-          <a:xfrm>
-            <a:off x="304800" y="838200"/>
-            <a:ext cx="8153400" cy="2165747"/>
-          </a:xfrm>
-          <a:prstGeom prst="rect">
-            <a:avLst/>
-          </a:prstGeom>
-          <a:noFill/>
-          <a:ln w="9525">
-            <a:noFill/>
-            <a:miter lim="800000"/>
-            <a:headEnd/>
-            <a:tailEnd/>
-          </a:ln>
-          <a:effectLst/>
-        </p:spPr>
-      </p:pic>
-      <p:sp>
-        <p:nvSpPr>
-          <p:cNvPr id="9" name="Content Placeholder 8"/>
-          <p:cNvSpPr>
-            <a:spLocks noGrp="1"/>
-          </p:cNvSpPr>
-          <p:nvPr>
-            <p:ph sz="quarter" idx="15"/>
-          </p:nvPr>
-        </p:nvSpPr>
-        <p:spPr>
-          <a:xfrm>
-            <a:off x="304800" y="609600"/>
-            <a:ext cx="8077200" cy="5638800"/>
-          </a:xfrm>
-        </p:spPr>
-        <p:txBody>
-          <a:bodyPr/>
-          <a:lstStyle/>
-          <a:p>
-            <a:endParaRPr lang="en-US" dirty="0"/>
-          </a:p>
-        </p:txBody>
-      </p:sp>
-      <p:sp>
-        <p:nvSpPr>
-          <p:cNvPr id="11" name="Right Arrow 10"/>
+      <p:sp>
+        <p:nvSpPr>
+          <p:cNvPr id="12" name="Down Arrow 11"/>
           <p:cNvSpPr/>
           <p:nvPr/>
         </p:nvSpPr>
         <p:spPr>
-          <a:xfrm flipH="1">
-            <a:off x="1828800" y="1447800"/>
-            <a:ext cx="978408" cy="484632"/>
-          </a:xfrm>
-          <a:prstGeom prst="rightArrow">
+          <a:xfrm>
+            <a:off x="2362200" y="3962400"/>
+            <a:ext cx="484632" cy="978408"/>
+          </a:xfrm>
+          <a:prstGeom prst="downArrow">
             <a:avLst/>
           </a:prstGeom>
         </p:spPr>
@@ -13016,17 +12766,45 @@
           <a:lstStyle/>
           <a:p>
             <a:pPr algn="ctr"/>
-            <a:r>
-              <a:rPr lang="en-US" dirty="0" smtClean="0"/>
-              <a:t>1</a:t>
-            </a:r>
-            <a:endParaRPr lang="en-US" dirty="0"/>
+            <a:endParaRPr lang="en-US"/>
           </a:p>
         </p:txBody>
       </p:sp>
       <p:pic>
         <p:nvPicPr>
-          <p:cNvPr id="5" name="Picture 3"/>
+          <p:cNvPr id="1029" name="Picture 5"/>
+          <p:cNvPicPr>
+            <a:picLocks noChangeAspect="1" noChangeArrowheads="1"/>
+          </p:cNvPicPr>
+          <p:nvPr/>
+        </p:nvPicPr>
+        <p:blipFill>
+          <a:blip r:embed="rId2" cstate="print"/>
+          <a:srcRect/>
+          <a:stretch>
+            <a:fillRect/>
+          </a:stretch>
+        </p:blipFill>
+        <p:spPr bwMode="auto">
+          <a:xfrm>
+            <a:off x="1752600" y="2209800"/>
+            <a:ext cx="1609725" cy="1619250"/>
+          </a:xfrm>
+          <a:prstGeom prst="rect">
+            <a:avLst/>
+          </a:prstGeom>
+          <a:noFill/>
+          <a:ln w="9525">
+            <a:noFill/>
+            <a:miter lim="800000"/>
+            <a:headEnd/>
+            <a:tailEnd/>
+          </a:ln>
+        </p:spPr>
+      </p:pic>
+      <p:pic>
+        <p:nvPicPr>
+          <p:cNvPr id="1030" name="Picture 6"/>
           <p:cNvPicPr>
             <a:picLocks noChangeAspect="1" noChangeArrowheads="1"/>
           </p:cNvPicPr>
@@ -13041,45 +12819,67 @@
         </p:blipFill>
         <p:spPr bwMode="auto">
           <a:xfrm>
-            <a:off x="288548" y="4038598"/>
-            <a:ext cx="8093452" cy="838201"/>
+            <a:off x="1676400" y="685800"/>
+            <a:ext cx="6896100" cy="1524000"/>
           </a:xfrm>
           <a:prstGeom prst="rect">
             <a:avLst/>
           </a:prstGeom>
-          <a:ln>
-            <a:prstDash val="sysDash"/>
+          <a:noFill/>
+          <a:ln w="9525">
+            <a:noFill/>
+            <a:miter lim="800000"/>
             <a:headEnd/>
             <a:tailEnd/>
           </a:ln>
         </p:spPr>
-        <p:style>
-          <a:lnRef idx="2">
-            <a:schemeClr val="accent6"/>
-          </a:lnRef>
-          <a:fillRef idx="1">
-            <a:schemeClr val="lt1"/>
-          </a:fillRef>
-          <a:effectRef idx="0">
-            <a:schemeClr val="accent6"/>
-          </a:effectRef>
-          <a:fontRef idx="minor">
-            <a:schemeClr val="dk1"/>
-          </a:fontRef>
-        </p:style>
       </p:pic>
-      <p:sp>
-        <p:nvSpPr>
-          <p:cNvPr id="12" name="Down Arrow 11"/>
+      <p:pic>
+        <p:nvPicPr>
+          <p:cNvPr id="1031" name="Picture 7"/>
+          <p:cNvPicPr>
+            <a:picLocks noGrp="1" noChangeAspect="1" noChangeArrowheads="1"/>
+          </p:cNvPicPr>
+          <p:nvPr>
+            <p:ph sz="quarter" idx="15"/>
+          </p:nvPr>
+        </p:nvPicPr>
+        <p:blipFill>
+          <a:blip r:embed="rId4" cstate="print"/>
+          <a:srcRect/>
+          <a:stretch>
+            <a:fillRect/>
+          </a:stretch>
+        </p:blipFill>
+        <p:spPr bwMode="auto">
+          <a:xfrm>
+            <a:off x="838200" y="5181600"/>
+            <a:ext cx="6867525" cy="1400175"/>
+          </a:xfrm>
+          <a:prstGeom prst="rect">
+            <a:avLst/>
+          </a:prstGeom>
+          <a:noFill/>
+          <a:ln w="9525">
+            <a:noFill/>
+            <a:miter lim="800000"/>
+            <a:headEnd/>
+            <a:tailEnd/>
+          </a:ln>
+        </p:spPr>
+      </p:pic>
+      <p:sp>
+        <p:nvSpPr>
+          <p:cNvPr id="11" name="Right Arrow 10"/>
           <p:cNvSpPr/>
           <p:nvPr/>
         </p:nvSpPr>
         <p:spPr>
           <a:xfrm>
-            <a:off x="2819400" y="3048000"/>
-            <a:ext cx="484632" cy="978408"/>
-          </a:xfrm>
-          <a:prstGeom prst="downArrow">
+            <a:off x="152400" y="685800"/>
+            <a:ext cx="1600200" cy="484632"/>
+          </a:xfrm>
+          <a:prstGeom prst="rightArrow">
             <a:avLst/>
           </a:prstGeom>
         </p:spPr>
@@ -13104,7 +12904,65 @@
           <a:lstStyle/>
           <a:p>
             <a:pPr algn="ctr"/>
-            <a:endParaRPr lang="en-US"/>
+            <a:r>
+              <a:rPr lang="en-US" sz="1050" dirty="0" smtClean="0"/>
+              <a:t>1) Select the table</a:t>
+            </a:r>
+            <a:endParaRPr lang="en-US" sz="1050" dirty="0"/>
+          </a:p>
+        </p:txBody>
+      </p:sp>
+      <p:sp>
+        <p:nvSpPr>
+          <p:cNvPr id="15" name="Right Arrow 14"/>
+          <p:cNvSpPr/>
+          <p:nvPr/>
+        </p:nvSpPr>
+        <p:spPr>
+          <a:xfrm flipH="1">
+            <a:off x="3429000" y="2819400"/>
+            <a:ext cx="2133600" cy="484632"/>
+          </a:xfrm>
+          <a:prstGeom prst="rightArrow">
+            <a:avLst/>
+          </a:prstGeom>
+        </p:spPr>
+        <p:style>
+          <a:lnRef idx="2">
+            <a:schemeClr val="accent1">
+              <a:shade val="50000"/>
+            </a:schemeClr>
+          </a:lnRef>
+          <a:fillRef idx="1">
+            <a:schemeClr val="accent1"/>
+          </a:fillRef>
+          <a:effectRef idx="0">
+            <a:schemeClr val="accent1"/>
+          </a:effectRef>
+          <a:fontRef idx="minor">
+            <a:schemeClr val="lt1"/>
+          </a:fontRef>
+        </p:style>
+        <p:txBody>
+          <a:bodyPr rtlCol="0" anchor="ctr"/>
+          <a:lstStyle/>
+          <a:p>
+            <a:pPr algn="ctr"/>
+            <a:r>
+              <a:rPr lang="en-US" sz="1050" dirty="0" smtClean="0"/>
+              <a:t>1) Click Format </a:t>
+            </a:r>
+            <a:r>
+              <a:rPr lang="en-US" sz="1050" dirty="0" smtClean="0">
+                <a:sym typeface="Wingdings" pitchFamily="2" charset="2"/>
+              </a:rPr>
+              <a:t></a:t>
+            </a:r>
+            <a:r>
+              <a:rPr lang="en-US" sz="1050" dirty="0" smtClean="0"/>
+              <a:t> Whole Table</a:t>
+            </a:r>
+            <a:endParaRPr lang="en-US" sz="1050" dirty="0"/>
           </a:p>
         </p:txBody>
       </p:sp>
